--- a/ppt/Python11-Sys.pptx
+++ b/ppt/Python11-Sys.pptx
@@ -5,10 +5,10 @@
     <p:sldMasterId id="2147483653" r:id="rId1"/>
   </p:sldMasterIdLst>
   <p:notesMasterIdLst>
-    <p:notesMasterId r:id="rId29"/>
+    <p:notesMasterId r:id="rId27"/>
   </p:notesMasterIdLst>
   <p:handoutMasterIdLst>
-    <p:handoutMasterId r:id="rId30"/>
+    <p:handoutMasterId r:id="rId28"/>
   </p:handoutMasterIdLst>
   <p:sldIdLst>
     <p:sldId id="264" r:id="rId2"/>
@@ -36,8 +36,6 @@
     <p:sldId id="299" r:id="rId24"/>
     <p:sldId id="296" r:id="rId25"/>
     <p:sldId id="297" r:id="rId26"/>
-    <p:sldId id="298" r:id="rId27"/>
-    <p:sldId id="300" r:id="rId28"/>
   </p:sldIdLst>
   <p:sldSz cx="9144000" cy="6858000" type="screen4x3"/>
   <p:notesSz cx="6648450" cy="9782175"/>
@@ -630,35 +628,35 @@
           <a:p>
             <a:pPr lvl="0"/>
             <a:r>
-              <a:rPr lang="fr-FR" noProof="0" smtClean="0"/>
+              <a:rPr lang="fr-FR" noProof="0"/>
               <a:t>Cliquez pour modifier les styles du texte du masque</a:t>
             </a:r>
           </a:p>
           <a:p>
             <a:pPr lvl="1"/>
             <a:r>
-              <a:rPr lang="fr-FR" noProof="0" smtClean="0"/>
+              <a:rPr lang="fr-FR" noProof="0"/>
               <a:t>Deuxième niveau</a:t>
             </a:r>
           </a:p>
           <a:p>
             <a:pPr lvl="2"/>
             <a:r>
-              <a:rPr lang="fr-FR" noProof="0" smtClean="0"/>
+              <a:rPr lang="fr-FR" noProof="0"/>
               <a:t>Troisième niveau</a:t>
             </a:r>
           </a:p>
           <a:p>
             <a:pPr lvl="3"/>
             <a:r>
-              <a:rPr lang="fr-FR" noProof="0" smtClean="0"/>
+              <a:rPr lang="fr-FR" noProof="0"/>
               <a:t>Quatrième niveau</a:t>
             </a:r>
           </a:p>
           <a:p>
             <a:pPr lvl="4"/>
             <a:r>
-              <a:rPr lang="fr-FR" noProof="0" smtClean="0"/>
+              <a:rPr lang="fr-FR" noProof="0"/>
               <a:t>Cinquième niveau</a:t>
             </a:r>
           </a:p>
@@ -946,10 +944,9 @@
           <a:lstStyle/>
           <a:p>
             <a:r>
-              <a:rPr lang="fr-FR" smtClean="0"/>
+              <a:rPr lang="fr-FR"/>
               <a:t>Cliquez pour modifier le style du titre</a:t>
             </a:r>
-            <a:endParaRPr lang="fr-FR"/>
           </a:p>
         </p:txBody>
       </p:sp>
@@ -1011,10 +1008,9 @@
           </a:lstStyle>
           <a:p>
             <a:r>
-              <a:rPr lang="fr-FR" smtClean="0"/>
+              <a:rPr lang="fr-FR"/>
               <a:t>Cliquez pour modifier le style des sous-titres du masque</a:t>
             </a:r>
-            <a:endParaRPr lang="fr-FR"/>
           </a:p>
         </p:txBody>
       </p:sp>
@@ -1069,10 +1065,9 @@
           <a:lstStyle/>
           <a:p>
             <a:r>
-              <a:rPr lang="fr-FR" smtClean="0"/>
+              <a:rPr lang="fr-FR"/>
               <a:t>Cliquez pour modifier le style du titre</a:t>
             </a:r>
-            <a:endParaRPr lang="fr-FR"/>
           </a:p>
         </p:txBody>
       </p:sp>
@@ -1098,38 +1093,37 @@
           <a:p>
             <a:pPr lvl="0"/>
             <a:r>
-              <a:rPr lang="fr-FR" smtClean="0"/>
+              <a:rPr lang="fr-FR"/>
               <a:t>Cliquez pour modifier les styles du texte du masque</a:t>
             </a:r>
           </a:p>
           <a:p>
             <a:pPr lvl="1"/>
             <a:r>
-              <a:rPr lang="fr-FR" smtClean="0"/>
+              <a:rPr lang="fr-FR"/>
               <a:t>Deuxième niveau</a:t>
             </a:r>
           </a:p>
           <a:p>
             <a:pPr lvl="2"/>
             <a:r>
-              <a:rPr lang="fr-FR" smtClean="0"/>
+              <a:rPr lang="fr-FR"/>
               <a:t>Troisième niveau</a:t>
             </a:r>
           </a:p>
           <a:p>
             <a:pPr lvl="3"/>
             <a:r>
-              <a:rPr lang="fr-FR" smtClean="0"/>
+              <a:rPr lang="fr-FR"/>
               <a:t>Quatrième niveau</a:t>
             </a:r>
           </a:p>
           <a:p>
             <a:pPr lvl="4"/>
             <a:r>
-              <a:rPr lang="fr-FR" smtClean="0"/>
+              <a:rPr lang="fr-FR"/>
               <a:t>Cinquième niveau</a:t>
             </a:r>
-            <a:endParaRPr lang="fr-FR"/>
           </a:p>
         </p:txBody>
       </p:sp>
@@ -1188,10 +1182,9 @@
           </a:lstStyle>
           <a:p>
             <a:r>
-              <a:rPr lang="fr-FR" dirty="0" smtClean="0"/>
+              <a:rPr lang="fr-FR" dirty="0"/>
               <a:t>Cliquez pour modifier le style du titre</a:t>
             </a:r>
-            <a:endParaRPr lang="fr-FR" dirty="0"/>
           </a:p>
         </p:txBody>
       </p:sp>
@@ -1217,38 +1210,37 @@
           <a:p>
             <a:pPr lvl="0"/>
             <a:r>
-              <a:rPr lang="fr-FR" dirty="0" smtClean="0"/>
+              <a:rPr lang="fr-FR" dirty="0"/>
               <a:t>Cliquez pour modifier les styles du texte du masque</a:t>
             </a:r>
           </a:p>
           <a:p>
             <a:pPr lvl="1"/>
             <a:r>
-              <a:rPr lang="fr-FR" dirty="0" smtClean="0"/>
+              <a:rPr lang="fr-FR" dirty="0"/>
               <a:t>Deuxième niveau</a:t>
             </a:r>
           </a:p>
           <a:p>
             <a:pPr lvl="2"/>
             <a:r>
-              <a:rPr lang="fr-FR" dirty="0" smtClean="0"/>
+              <a:rPr lang="fr-FR" dirty="0"/>
               <a:t>Troisième niveau</a:t>
             </a:r>
           </a:p>
           <a:p>
             <a:pPr lvl="3"/>
             <a:r>
-              <a:rPr lang="fr-FR" dirty="0" smtClean="0"/>
+              <a:rPr lang="fr-FR" dirty="0"/>
               <a:t>Quatrième niveau</a:t>
             </a:r>
           </a:p>
           <a:p>
             <a:pPr lvl="4"/>
             <a:r>
-              <a:rPr lang="fr-FR" dirty="0" smtClean="0"/>
+              <a:rPr lang="fr-FR" dirty="0"/>
               <a:t>Cinquième niveau</a:t>
             </a:r>
-            <a:endParaRPr lang="fr-FR" dirty="0"/>
           </a:p>
         </p:txBody>
       </p:sp>
@@ -1298,10 +1290,9 @@
           <a:lstStyle/>
           <a:p>
             <a:r>
-              <a:rPr lang="fr-FR" smtClean="0"/>
+              <a:rPr lang="fr-FR"/>
               <a:t>Cliquez pour modifier le style du titre</a:t>
             </a:r>
-            <a:endParaRPr lang="fr-FR"/>
           </a:p>
         </p:txBody>
       </p:sp>
@@ -1355,38 +1346,37 @@
           <a:p>
             <a:pPr lvl="0"/>
             <a:r>
-              <a:rPr lang="fr-FR" smtClean="0"/>
+              <a:rPr lang="fr-FR"/>
               <a:t>Cliquez pour modifier les styles du texte du masque</a:t>
             </a:r>
           </a:p>
           <a:p>
             <a:pPr lvl="1"/>
             <a:r>
-              <a:rPr lang="fr-FR" smtClean="0"/>
+              <a:rPr lang="fr-FR"/>
               <a:t>Deuxième niveau</a:t>
             </a:r>
           </a:p>
           <a:p>
             <a:pPr lvl="2"/>
             <a:r>
-              <a:rPr lang="fr-FR" smtClean="0"/>
+              <a:rPr lang="fr-FR"/>
               <a:t>Troisième niveau</a:t>
             </a:r>
           </a:p>
           <a:p>
             <a:pPr lvl="3"/>
             <a:r>
-              <a:rPr lang="fr-FR" smtClean="0"/>
+              <a:rPr lang="fr-FR"/>
               <a:t>Quatrième niveau</a:t>
             </a:r>
           </a:p>
           <a:p>
             <a:pPr lvl="4"/>
             <a:r>
-              <a:rPr lang="fr-FR" smtClean="0"/>
+              <a:rPr lang="fr-FR"/>
               <a:t>Cinquième niveau</a:t>
             </a:r>
-            <a:endParaRPr lang="fr-FR"/>
           </a:p>
         </p:txBody>
       </p:sp>
@@ -1440,38 +1430,37 @@
           <a:p>
             <a:pPr lvl="0"/>
             <a:r>
-              <a:rPr lang="fr-FR" smtClean="0"/>
+              <a:rPr lang="fr-FR"/>
               <a:t>Cliquez pour modifier les styles du texte du masque</a:t>
             </a:r>
           </a:p>
           <a:p>
             <a:pPr lvl="1"/>
             <a:r>
-              <a:rPr lang="fr-FR" smtClean="0"/>
+              <a:rPr lang="fr-FR"/>
               <a:t>Deuxième niveau</a:t>
             </a:r>
           </a:p>
           <a:p>
             <a:pPr lvl="2"/>
             <a:r>
-              <a:rPr lang="fr-FR" smtClean="0"/>
+              <a:rPr lang="fr-FR"/>
               <a:t>Troisième niveau</a:t>
             </a:r>
           </a:p>
           <a:p>
             <a:pPr lvl="3"/>
             <a:r>
-              <a:rPr lang="fr-FR" smtClean="0"/>
+              <a:rPr lang="fr-FR"/>
               <a:t>Quatrième niveau</a:t>
             </a:r>
           </a:p>
           <a:p>
             <a:pPr lvl="4"/>
             <a:r>
-              <a:rPr lang="fr-FR" smtClean="0"/>
+              <a:rPr lang="fr-FR"/>
               <a:t>Cinquième niveau</a:t>
             </a:r>
-            <a:endParaRPr lang="fr-FR"/>
           </a:p>
         </p:txBody>
       </p:sp>
@@ -1530,10 +1519,9 @@
           </a:lstStyle>
           <a:p>
             <a:r>
-              <a:rPr lang="fr-FR" smtClean="0"/>
+              <a:rPr lang="fr-FR"/>
               <a:t>Cliquez pour modifier le style du titre</a:t>
             </a:r>
-            <a:endParaRPr lang="fr-FR"/>
           </a:p>
         </p:txBody>
       </p:sp>
@@ -1596,7 +1584,7 @@
           <a:p>
             <a:pPr lvl="0"/>
             <a:r>
-              <a:rPr lang="fr-FR" smtClean="0"/>
+              <a:rPr lang="fr-FR"/>
               <a:t>Cliquez pour modifier les styles du texte du masque</a:t>
             </a:r>
           </a:p>
@@ -1652,38 +1640,37 @@
           <a:p>
             <a:pPr lvl="0"/>
             <a:r>
-              <a:rPr lang="fr-FR" smtClean="0"/>
+              <a:rPr lang="fr-FR"/>
               <a:t>Cliquez pour modifier les styles du texte du masque</a:t>
             </a:r>
           </a:p>
           <a:p>
             <a:pPr lvl="1"/>
             <a:r>
-              <a:rPr lang="fr-FR" smtClean="0"/>
+              <a:rPr lang="fr-FR"/>
               <a:t>Deuxième niveau</a:t>
             </a:r>
           </a:p>
           <a:p>
             <a:pPr lvl="2"/>
             <a:r>
-              <a:rPr lang="fr-FR" smtClean="0"/>
+              <a:rPr lang="fr-FR"/>
               <a:t>Troisième niveau</a:t>
             </a:r>
           </a:p>
           <a:p>
             <a:pPr lvl="3"/>
             <a:r>
-              <a:rPr lang="fr-FR" smtClean="0"/>
+              <a:rPr lang="fr-FR"/>
               <a:t>Quatrième niveau</a:t>
             </a:r>
           </a:p>
           <a:p>
             <a:pPr lvl="4"/>
             <a:r>
-              <a:rPr lang="fr-FR" smtClean="0"/>
+              <a:rPr lang="fr-FR"/>
               <a:t>Cinquième niveau</a:t>
             </a:r>
-            <a:endParaRPr lang="fr-FR"/>
           </a:p>
         </p:txBody>
       </p:sp>
@@ -1746,7 +1733,7 @@
           <a:p>
             <a:pPr lvl="0"/>
             <a:r>
-              <a:rPr lang="fr-FR" smtClean="0"/>
+              <a:rPr lang="fr-FR"/>
               <a:t>Cliquez pour modifier les styles du texte du masque</a:t>
             </a:r>
           </a:p>
@@ -1802,38 +1789,37 @@
           <a:p>
             <a:pPr lvl="0"/>
             <a:r>
-              <a:rPr lang="fr-FR" smtClean="0"/>
+              <a:rPr lang="fr-FR"/>
               <a:t>Cliquez pour modifier les styles du texte du masque</a:t>
             </a:r>
           </a:p>
           <a:p>
             <a:pPr lvl="1"/>
             <a:r>
-              <a:rPr lang="fr-FR" smtClean="0"/>
+              <a:rPr lang="fr-FR"/>
               <a:t>Deuxième niveau</a:t>
             </a:r>
           </a:p>
           <a:p>
             <a:pPr lvl="2"/>
             <a:r>
-              <a:rPr lang="fr-FR" smtClean="0"/>
+              <a:rPr lang="fr-FR"/>
               <a:t>Troisième niveau</a:t>
             </a:r>
           </a:p>
           <a:p>
             <a:pPr lvl="3"/>
             <a:r>
-              <a:rPr lang="fr-FR" smtClean="0"/>
+              <a:rPr lang="fr-FR"/>
               <a:t>Quatrième niveau</a:t>
             </a:r>
           </a:p>
           <a:p>
             <a:pPr lvl="4"/>
             <a:r>
-              <a:rPr lang="fr-FR" smtClean="0"/>
+              <a:rPr lang="fr-FR"/>
               <a:t>Cinquième niveau</a:t>
             </a:r>
-            <a:endParaRPr lang="fr-FR"/>
           </a:p>
         </p:txBody>
       </p:sp>
@@ -1883,10 +1869,9 @@
           <a:lstStyle/>
           <a:p>
             <a:r>
-              <a:rPr lang="fr-FR" smtClean="0"/>
+              <a:rPr lang="fr-FR"/>
               <a:t>Cliquez pour modifier le style du titre</a:t>
             </a:r>
-            <a:endParaRPr lang="fr-FR"/>
           </a:p>
         </p:txBody>
       </p:sp>
@@ -1975,10 +1960,9 @@
           </a:lstStyle>
           <a:p>
             <a:r>
-              <a:rPr lang="fr-FR" smtClean="0"/>
+              <a:rPr lang="fr-FR"/>
               <a:t>Cliquez pour modifier le style du titre</a:t>
             </a:r>
-            <a:endParaRPr lang="fr-FR"/>
           </a:p>
         </p:txBody>
       </p:sp>
@@ -2032,38 +2016,37 @@
           <a:p>
             <a:pPr lvl="0"/>
             <a:r>
-              <a:rPr lang="fr-FR" smtClean="0"/>
+              <a:rPr lang="fr-FR"/>
               <a:t>Cliquez pour modifier les styles du texte du masque</a:t>
             </a:r>
           </a:p>
           <a:p>
             <a:pPr lvl="1"/>
             <a:r>
-              <a:rPr lang="fr-FR" smtClean="0"/>
+              <a:rPr lang="fr-FR"/>
               <a:t>Deuxième niveau</a:t>
             </a:r>
           </a:p>
           <a:p>
             <a:pPr lvl="2"/>
             <a:r>
-              <a:rPr lang="fr-FR" smtClean="0"/>
+              <a:rPr lang="fr-FR"/>
               <a:t>Troisième niveau</a:t>
             </a:r>
           </a:p>
           <a:p>
             <a:pPr lvl="3"/>
             <a:r>
-              <a:rPr lang="fr-FR" smtClean="0"/>
+              <a:rPr lang="fr-FR"/>
               <a:t>Quatrième niveau</a:t>
             </a:r>
           </a:p>
           <a:p>
             <a:pPr lvl="4"/>
             <a:r>
-              <a:rPr lang="fr-FR" smtClean="0"/>
+              <a:rPr lang="fr-FR"/>
               <a:t>Cinquième niveau</a:t>
             </a:r>
-            <a:endParaRPr lang="fr-FR"/>
           </a:p>
         </p:txBody>
       </p:sp>
@@ -2126,7 +2109,7 @@
           <a:p>
             <a:pPr lvl="0"/>
             <a:r>
-              <a:rPr lang="fr-FR" smtClean="0"/>
+              <a:rPr lang="fr-FR"/>
               <a:t>Cliquez pour modifier les styles du texte du masque</a:t>
             </a:r>
           </a:p>
@@ -2187,10 +2170,9 @@
           </a:lstStyle>
           <a:p>
             <a:r>
-              <a:rPr lang="fr-FR" smtClean="0"/>
+              <a:rPr lang="fr-FR"/>
               <a:t>Cliquez pour modifier le style du titre</a:t>
             </a:r>
-            <a:endParaRPr lang="fr-FR"/>
           </a:p>
         </p:txBody>
       </p:sp>
@@ -2252,7 +2234,7 @@
           </a:lstStyle>
           <a:p>
             <a:pPr lvl="0"/>
-            <a:endParaRPr lang="fr-FR" noProof="0" smtClean="0"/>
+            <a:endParaRPr lang="fr-FR" noProof="0"/>
           </a:p>
         </p:txBody>
       </p:sp>
@@ -2315,7 +2297,7 @@
           <a:p>
             <a:pPr lvl="0"/>
             <a:r>
-              <a:rPr lang="fr-FR" smtClean="0"/>
+              <a:rPr lang="fr-FR"/>
               <a:t>Cliquez pour modifier les styles du texte du masque</a:t>
             </a:r>
           </a:p>
@@ -2367,10 +2349,9 @@
           <a:lstStyle/>
           <a:p>
             <a:r>
-              <a:rPr lang="fr-FR" smtClean="0"/>
+              <a:rPr lang="fr-FR"/>
               <a:t>Cliquez pour modifier le style du titre</a:t>
             </a:r>
-            <a:endParaRPr lang="fr-FR"/>
           </a:p>
         </p:txBody>
       </p:sp>
@@ -2391,38 +2372,37 @@
           <a:p>
             <a:pPr lvl="0"/>
             <a:r>
-              <a:rPr lang="fr-FR" smtClean="0"/>
+              <a:rPr lang="fr-FR"/>
               <a:t>Cliquez pour modifier les styles du texte du masque</a:t>
             </a:r>
           </a:p>
           <a:p>
             <a:pPr lvl="1"/>
             <a:r>
-              <a:rPr lang="fr-FR" smtClean="0"/>
+              <a:rPr lang="fr-FR"/>
               <a:t>Deuxième niveau</a:t>
             </a:r>
           </a:p>
           <a:p>
             <a:pPr lvl="2"/>
             <a:r>
-              <a:rPr lang="fr-FR" smtClean="0"/>
+              <a:rPr lang="fr-FR"/>
               <a:t>Troisième niveau</a:t>
             </a:r>
           </a:p>
           <a:p>
             <a:pPr lvl="3"/>
             <a:r>
-              <a:rPr lang="fr-FR" smtClean="0"/>
+              <a:rPr lang="fr-FR"/>
               <a:t>Quatrième niveau</a:t>
             </a:r>
           </a:p>
           <a:p>
             <a:pPr lvl="4"/>
             <a:r>
-              <a:rPr lang="fr-FR" smtClean="0"/>
+              <a:rPr lang="fr-FR"/>
               <a:t>Cinquième niveau</a:t>
             </a:r>
-            <a:endParaRPr lang="fr-FR"/>
           </a:p>
         </p:txBody>
       </p:sp>
@@ -2603,7 +2583,7 @@
             <a:pPr eaLnBrk="1" hangingPunct="1">
               <a:defRPr/>
             </a:pPr>
-            <a:endParaRPr lang="fr-FR" altLang="fr-FR" smtClean="0"/>
+            <a:endParaRPr lang="fr-FR" altLang="fr-FR"/>
           </a:p>
         </p:txBody>
       </p:sp>
@@ -2757,7 +2737,7 @@
               <a:defRPr/>
             </a:pPr>
             <a:r>
-              <a:rPr lang="fr-FR" sz="1200" dirty="0" smtClean="0"/>
+              <a:rPr lang="fr-FR" sz="1200" dirty="0"/>
               <a:t>Page </a:t>
             </a:r>
             <a:fld id="{E218E9B1-FD08-4C80-902E-210BA2967D0D}" type="slidenum">
@@ -2770,7 +2750,7 @@
               </a:pPr>
               <a:t>‹N°›</a:t>
             </a:fld>
-            <a:endParaRPr lang="fr-FR" dirty="0" smtClean="0">
+            <a:endParaRPr lang="fr-FR" dirty="0">
               <a:latin typeface="Times New Roman" pitchFamily="18" charset="0"/>
             </a:endParaRPr>
           </a:p>
@@ -2926,10 +2906,10 @@
               <a:defRPr/>
             </a:pPr>
             <a:r>
-              <a:rPr lang="fr-FR" sz="1600" dirty="0" smtClean="0"/>
+              <a:rPr lang="fr-FR" sz="1600" dirty="0"/>
               <a:t>Python</a:t>
             </a:r>
-            <a:endParaRPr lang="fr-FR" dirty="0" smtClean="0">
+            <a:endParaRPr lang="fr-FR" dirty="0">
               <a:latin typeface="Times New Roman" pitchFamily="18" charset="0"/>
             </a:endParaRPr>
           </a:p>
@@ -2987,7 +2967,7 @@
           <a:p>
             <a:pPr lvl="0"/>
             <a:r>
-              <a:rPr lang="fr-FR" altLang="fr-FR" smtClean="0"/>
+              <a:rPr lang="fr-FR" altLang="fr-FR"/>
               <a:t>Cliquez pour modifier le style du titre du masque</a:t>
             </a:r>
           </a:p>
@@ -3045,35 +3025,35 @@
           <a:p>
             <a:pPr lvl="0"/>
             <a:r>
-              <a:rPr lang="fr-FR" altLang="fr-FR" smtClean="0"/>
+              <a:rPr lang="fr-FR" altLang="fr-FR"/>
               <a:t>Cliquez pour modifier les styles du texte du masque</a:t>
             </a:r>
           </a:p>
           <a:p>
             <a:pPr lvl="1"/>
             <a:r>
-              <a:rPr lang="fr-FR" altLang="fr-FR" smtClean="0"/>
+              <a:rPr lang="fr-FR" altLang="fr-FR"/>
               <a:t>Deuxième niveau</a:t>
             </a:r>
           </a:p>
           <a:p>
             <a:pPr lvl="2"/>
             <a:r>
-              <a:rPr lang="fr-FR" altLang="fr-FR" smtClean="0"/>
+              <a:rPr lang="fr-FR" altLang="fr-FR"/>
               <a:t>Troisième niveau</a:t>
             </a:r>
           </a:p>
           <a:p>
             <a:pPr lvl="3"/>
             <a:r>
-              <a:rPr lang="fr-FR" altLang="fr-FR" smtClean="0"/>
+              <a:rPr lang="fr-FR" altLang="fr-FR"/>
               <a:t>Quatrième niveau</a:t>
             </a:r>
           </a:p>
           <a:p>
             <a:pPr lvl="4"/>
             <a:r>
-              <a:rPr lang="fr-FR" altLang="fr-FR" smtClean="0"/>
+              <a:rPr lang="fr-FR" altLang="fr-FR"/>
               <a:t>Cinquième niveau</a:t>
             </a:r>
           </a:p>
@@ -3229,10 +3209,10 @@
               <a:defRPr/>
             </a:pPr>
             <a:r>
-              <a:rPr lang="fr-FR" sz="1200" smtClean="0"/>
+              <a:rPr lang="fr-FR" sz="1200"/>
               <a:t>© Cyril Vincent Conseil</a:t>
             </a:r>
-            <a:endParaRPr lang="fr-FR" smtClean="0">
+            <a:endParaRPr lang="fr-FR">
               <a:latin typeface="Times New Roman" pitchFamily="18" charset="0"/>
             </a:endParaRPr>
           </a:p>
@@ -3714,21 +3694,21 @@
           <a:p>
             <a:pPr eaLnBrk="1" hangingPunct="1"/>
             <a:r>
-              <a:rPr lang="fr-FR" altLang="fr-FR" dirty="0" smtClean="0"/>
+              <a:rPr lang="fr-FR" altLang="fr-FR" dirty="0"/>
               <a:t>Chapitre 11</a:t>
             </a:r>
           </a:p>
           <a:p>
             <a:pPr eaLnBrk="1" hangingPunct="1"/>
             <a:r>
-              <a:rPr lang="fr-FR" altLang="fr-FR" dirty="0" smtClean="0"/>
+              <a:rPr lang="fr-FR" altLang="fr-FR" dirty="0"/>
               <a:t>Système </a:t>
             </a:r>
             <a:r>
-              <a:rPr lang="fr-FR" altLang="fr-FR" smtClean="0"/>
+              <a:rPr lang="fr-FR" altLang="fr-FR"/>
               <a:t>et fichiers</a:t>
             </a:r>
-            <a:endParaRPr lang="fr-FR" altLang="fr-FR" dirty="0" smtClean="0"/>
+            <a:endParaRPr lang="fr-FR" altLang="fr-FR" dirty="0"/>
           </a:p>
         </p:txBody>
       </p:sp>
@@ -3778,13 +3758,6 @@
   <p:clrMapOvr>
     <a:masterClrMapping/>
   </p:clrMapOvr>
-  <p:timing>
-    <p:tnLst>
-      <p:par>
-        <p:cTn id="1" dur="indefinite" restart="never" nodeType="tmRoot"/>
-      </p:par>
-    </p:tnLst>
-  </p:timing>
 </p:sld>
 </file>
 
@@ -3821,10 +3794,9 @@
           <a:lstStyle/>
           <a:p>
             <a:r>
-              <a:rPr lang="fr-FR" dirty="0" smtClean="0"/>
+              <a:rPr lang="fr-FR" dirty="0"/>
               <a:t>Modes avancés</a:t>
             </a:r>
-            <a:endParaRPr lang="fr-FR" dirty="0"/>
           </a:p>
         </p:txBody>
       </p:sp>
@@ -3844,219 +3816,218 @@
           <a:lstStyle/>
           <a:p>
             <a:r>
-              <a:rPr lang="en-US" dirty="0" err="1" smtClean="0"/>
+              <a:rPr lang="en-US" dirty="0" err="1"/>
               <a:t>L’ouverture</a:t>
             </a:r>
             <a:r>
-              <a:rPr lang="en-US" dirty="0" smtClean="0"/>
+              <a:rPr lang="en-US" dirty="0"/>
               <a:t> du </a:t>
             </a:r>
             <a:r>
-              <a:rPr lang="en-US" dirty="0" err="1" smtClean="0"/>
+              <a:rPr lang="en-US" dirty="0" err="1"/>
               <a:t>fichier</a:t>
             </a:r>
             <a:r>
-              <a:rPr lang="en-US" dirty="0" smtClean="0"/>
+              <a:rPr lang="en-US" dirty="0"/>
               <a:t> se fait par </a:t>
             </a:r>
             <a:r>
-              <a:rPr lang="en-US" dirty="0" err="1" smtClean="0"/>
+              <a:rPr lang="en-US" dirty="0" err="1"/>
               <a:t>défaut</a:t>
             </a:r>
             <a:r>
-              <a:rPr lang="en-US" dirty="0" smtClean="0"/>
+              <a:rPr lang="en-US" dirty="0"/>
               <a:t> </a:t>
             </a:r>
             <a:r>
-              <a:rPr lang="en-US" dirty="0" err="1" smtClean="0"/>
+              <a:rPr lang="en-US" dirty="0" err="1"/>
               <a:t>en</a:t>
             </a:r>
             <a:r>
-              <a:rPr lang="en-US" dirty="0" smtClean="0"/>
+              <a:rPr lang="en-US" dirty="0"/>
               <a:t> Unicode</a:t>
             </a:r>
           </a:p>
           <a:p>
             <a:pPr lvl="1"/>
             <a:r>
-              <a:rPr lang="en-US" dirty="0" smtClean="0"/>
+              <a:rPr lang="en-US" dirty="0"/>
               <a:t>2, 4 </a:t>
             </a:r>
             <a:r>
-              <a:rPr lang="en-US" dirty="0" err="1" smtClean="0"/>
+              <a:rPr lang="en-US" dirty="0" err="1"/>
               <a:t>ou</a:t>
             </a:r>
             <a:r>
-              <a:rPr lang="en-US" dirty="0" smtClean="0"/>
+              <a:rPr lang="en-US" dirty="0"/>
               <a:t> 8 octets par </a:t>
             </a:r>
             <a:r>
-              <a:rPr lang="en-US" dirty="0" err="1" smtClean="0"/>
+              <a:rPr lang="en-US" dirty="0" err="1"/>
               <a:t>caractères</a:t>
             </a:r>
-            <a:endParaRPr lang="en-US" dirty="0" smtClean="0"/>
-          </a:p>
-          <a:p>
-            <a:pPr lvl="1"/>
-            <a:r>
-              <a:rPr lang="en-US" dirty="0" smtClean="0"/>
+            <a:endParaRPr lang="en-US" dirty="0"/>
+          </a:p>
+          <a:p>
+            <a:pPr lvl="1"/>
+            <a:r>
+              <a:rPr lang="en-US" dirty="0"/>
               <a:t>Il </a:t>
             </a:r>
             <a:r>
-              <a:rPr lang="en-US" dirty="0" err="1" smtClean="0"/>
+              <a:rPr lang="en-US" dirty="0" err="1"/>
               <a:t>est</a:t>
             </a:r>
             <a:r>
-              <a:rPr lang="en-US" dirty="0" smtClean="0"/>
+              <a:rPr lang="en-US" dirty="0"/>
               <a:t> possible </a:t>
             </a:r>
             <a:r>
-              <a:rPr lang="en-US" dirty="0" err="1" smtClean="0"/>
+              <a:rPr lang="en-US" dirty="0" err="1"/>
               <a:t>d’ouvrir</a:t>
             </a:r>
             <a:r>
-              <a:rPr lang="en-US" dirty="0" smtClean="0"/>
+              <a:rPr lang="en-US" dirty="0"/>
               <a:t> </a:t>
             </a:r>
             <a:r>
-              <a:rPr lang="en-US" dirty="0" err="1" smtClean="0"/>
+              <a:rPr lang="en-US" dirty="0" err="1"/>
               <a:t>en</a:t>
             </a:r>
             <a:r>
-              <a:rPr lang="en-US" dirty="0" smtClean="0"/>
+              <a:rPr lang="en-US" dirty="0"/>
               <a:t> mode </a:t>
             </a:r>
             <a:r>
-              <a:rPr lang="en-US" dirty="0" err="1" smtClean="0"/>
+              <a:rPr lang="en-US" dirty="0" err="1"/>
               <a:t>binaire</a:t>
             </a:r>
             <a:r>
-              <a:rPr lang="en-US" dirty="0" smtClean="0"/>
+              <a:rPr lang="en-US" dirty="0"/>
               <a:t> </a:t>
             </a:r>
             <a:r>
-              <a:rPr lang="en-US" dirty="0" err="1" smtClean="0"/>
+              <a:rPr lang="en-US" dirty="0" err="1"/>
               <a:t>en</a:t>
             </a:r>
             <a:r>
-              <a:rPr lang="en-US" dirty="0" smtClean="0"/>
+              <a:rPr lang="en-US" dirty="0"/>
               <a:t> </a:t>
             </a:r>
             <a:r>
-              <a:rPr lang="en-US" dirty="0" err="1" smtClean="0"/>
+              <a:rPr lang="en-US" dirty="0" err="1"/>
               <a:t>suffixant</a:t>
             </a:r>
             <a:r>
-              <a:rPr lang="en-US" dirty="0" smtClean="0"/>
+              <a:rPr lang="en-US" dirty="0"/>
               <a:t> b au mode</a:t>
             </a:r>
           </a:p>
           <a:p>
             <a:pPr lvl="1"/>
             <a:r>
-              <a:rPr lang="en-US" dirty="0" smtClean="0"/>
+              <a:rPr lang="en-US" dirty="0"/>
               <a:t>Par </a:t>
             </a:r>
             <a:r>
-              <a:rPr lang="en-US" dirty="0" err="1" smtClean="0"/>
+              <a:rPr lang="en-US" dirty="0" err="1"/>
               <a:t>exemple</a:t>
             </a:r>
             <a:r>
-              <a:rPr lang="en-US" dirty="0" smtClean="0"/>
+              <a:rPr lang="en-US" dirty="0"/>
               <a:t> </a:t>
             </a:r>
             <a:r>
-              <a:rPr lang="en-US" dirty="0" err="1" smtClean="0"/>
+              <a:rPr lang="en-US" dirty="0" err="1"/>
               <a:t>rb</a:t>
             </a:r>
-            <a:endParaRPr lang="en-US" dirty="0" smtClean="0"/>
-          </a:p>
-          <a:p>
-            <a:r>
-              <a:rPr lang="en-US" dirty="0" smtClean="0"/>
+            <a:endParaRPr lang="en-US" dirty="0"/>
+          </a:p>
+          <a:p>
+            <a:r>
+              <a:rPr lang="en-US" dirty="0"/>
               <a:t>Il </a:t>
             </a:r>
             <a:r>
-              <a:rPr lang="en-US" dirty="0" err="1" smtClean="0"/>
+              <a:rPr lang="en-US" dirty="0" err="1"/>
               <a:t>est</a:t>
             </a:r>
             <a:r>
-              <a:rPr lang="en-US" dirty="0" smtClean="0"/>
+              <a:rPr lang="en-US" dirty="0"/>
               <a:t> possible </a:t>
             </a:r>
             <a:r>
-              <a:rPr lang="en-US" dirty="0" err="1" smtClean="0"/>
+              <a:rPr lang="en-US" dirty="0" err="1"/>
               <a:t>d’ouvrir</a:t>
             </a:r>
             <a:r>
-              <a:rPr lang="en-US" dirty="0" smtClean="0"/>
+              <a:rPr lang="en-US" dirty="0"/>
               <a:t> un </a:t>
             </a:r>
             <a:r>
-              <a:rPr lang="en-US" dirty="0" err="1" smtClean="0"/>
+              <a:rPr lang="en-US" dirty="0" err="1"/>
               <a:t>fichier</a:t>
             </a:r>
             <a:r>
-              <a:rPr lang="en-US" dirty="0" smtClean="0"/>
+              <a:rPr lang="en-US" dirty="0"/>
               <a:t> </a:t>
             </a:r>
             <a:r>
-              <a:rPr lang="en-US" dirty="0" err="1" smtClean="0"/>
+              <a:rPr lang="en-US" dirty="0" err="1"/>
               <a:t>en</a:t>
             </a:r>
             <a:r>
-              <a:rPr lang="en-US" dirty="0" smtClean="0"/>
+              <a:rPr lang="en-US" dirty="0"/>
               <a:t> mode read/write </a:t>
             </a:r>
             <a:r>
-              <a:rPr lang="en-US" dirty="0" err="1" smtClean="0"/>
+              <a:rPr lang="en-US" dirty="0" err="1"/>
               <a:t>en</a:t>
             </a:r>
             <a:r>
-              <a:rPr lang="en-US" dirty="0" smtClean="0"/>
+              <a:rPr lang="en-US" dirty="0"/>
               <a:t> </a:t>
             </a:r>
             <a:r>
-              <a:rPr lang="en-US" dirty="0" err="1" smtClean="0"/>
+              <a:rPr lang="en-US" dirty="0" err="1"/>
               <a:t>suffixant</a:t>
             </a:r>
             <a:r>
-              <a:rPr lang="en-US" dirty="0" smtClean="0"/>
+              <a:rPr lang="en-US" dirty="0"/>
               <a:t> par plus</a:t>
             </a:r>
           </a:p>
           <a:p>
             <a:r>
-              <a:rPr lang="en-US" dirty="0" err="1" smtClean="0"/>
+              <a:rPr lang="en-US" dirty="0" err="1"/>
               <a:t>Buffersize</a:t>
             </a:r>
-            <a:endParaRPr lang="en-US" dirty="0" smtClean="0"/>
-          </a:p>
-          <a:p>
-            <a:pPr lvl="1"/>
-            <a:r>
-              <a:rPr lang="en-US" altLang="fr-FR" dirty="0" smtClean="0"/>
+            <a:endParaRPr lang="en-US" dirty="0"/>
+          </a:p>
+          <a:p>
+            <a:pPr lvl="1"/>
+            <a:r>
+              <a:rPr lang="en-US" altLang="fr-FR" dirty="0"/>
               <a:t>0 = unbuffered</a:t>
             </a:r>
           </a:p>
           <a:p>
             <a:pPr lvl="1"/>
             <a:r>
-              <a:rPr lang="en-US" altLang="fr-FR" dirty="0" smtClean="0"/>
+              <a:rPr lang="en-US" altLang="fr-FR" dirty="0"/>
               <a:t>1 = line-buffered</a:t>
             </a:r>
           </a:p>
           <a:p>
             <a:pPr lvl="1"/>
             <a:r>
-              <a:rPr lang="en-US" altLang="fr-FR" dirty="0" smtClean="0"/>
+              <a:rPr lang="en-US" altLang="fr-FR" dirty="0"/>
               <a:t>&gt;1 = buffered</a:t>
             </a:r>
-            <a:endParaRPr lang="en-US" altLang="fr-FR" dirty="0"/>
-          </a:p>
-          <a:p>
-            <a:pPr lvl="1"/>
-            <a:endParaRPr lang="en-US" dirty="0" smtClean="0"/>
+          </a:p>
+          <a:p>
+            <a:pPr lvl="1"/>
+            <a:endParaRPr lang="en-US" dirty="0"/>
           </a:p>
           <a:p>
             <a:endParaRPr lang="en-US" dirty="0"/>
@@ -4073,13 +4044,6 @@
   <p:clrMapOvr>
     <a:masterClrMapping/>
   </p:clrMapOvr>
-  <p:timing>
-    <p:tnLst>
-      <p:par>
-        <p:cTn id="1" dur="indefinite" restart="never" nodeType="tmRoot"/>
-      </p:par>
-    </p:tnLst>
-  </p:timing>
 </p:sld>
 </file>
 
@@ -4116,10 +4080,9 @@
           <a:lstStyle/>
           <a:p>
             <a:r>
-              <a:rPr lang="fr-FR" dirty="0" smtClean="0"/>
+              <a:rPr lang="fr-FR" dirty="0"/>
               <a:t>Lecture du fichier</a:t>
             </a:r>
-            <a:endParaRPr lang="fr-FR" dirty="0"/>
           </a:p>
         </p:txBody>
       </p:sp>
@@ -4139,21 +4102,21 @@
           <a:lstStyle/>
           <a:p>
             <a:r>
-              <a:rPr lang="fr-FR" dirty="0" smtClean="0"/>
+              <a:rPr lang="fr-FR" dirty="0"/>
               <a:t>Read()</a:t>
             </a:r>
           </a:p>
           <a:p>
             <a:pPr lvl="1"/>
             <a:r>
-              <a:rPr lang="fr-FR" dirty="0" smtClean="0"/>
+              <a:rPr lang="fr-FR" dirty="0"/>
               <a:t>Lit l’intégralité du fichier</a:t>
             </a:r>
           </a:p>
           <a:p>
             <a:pPr lvl="1"/>
             <a:r>
-              <a:rPr lang="fr-FR" dirty="0" smtClean="0"/>
+              <a:rPr lang="fr-FR" dirty="0"/>
               <a:t>A réserver aux petits fichiers</a:t>
             </a:r>
           </a:p>
@@ -4163,45 +4126,45 @@
           </a:p>
           <a:p>
             <a:pPr lvl="1"/>
-            <a:endParaRPr lang="fr-FR" dirty="0" smtClean="0"/>
-          </a:p>
-          <a:p>
-            <a:pPr lvl="1"/>
             <a:endParaRPr lang="fr-FR" dirty="0"/>
           </a:p>
           <a:p>
             <a:pPr lvl="1"/>
-            <a:endParaRPr lang="fr-FR" dirty="0" smtClean="0"/>
-          </a:p>
-          <a:p>
-            <a:r>
-              <a:rPr lang="fr-FR" dirty="0" err="1" smtClean="0"/>
+            <a:endParaRPr lang="fr-FR" dirty="0"/>
+          </a:p>
+          <a:p>
+            <a:pPr lvl="1"/>
+            <a:endParaRPr lang="fr-FR" dirty="0"/>
+          </a:p>
+          <a:p>
+            <a:r>
+              <a:rPr lang="fr-FR" dirty="0" err="1"/>
               <a:t>Readline</a:t>
             </a:r>
             <a:r>
-              <a:rPr lang="fr-FR" dirty="0" smtClean="0"/>
+              <a:rPr lang="fr-FR" dirty="0"/>
               <a:t>()</a:t>
             </a:r>
           </a:p>
           <a:p>
             <a:pPr lvl="1"/>
             <a:r>
-              <a:rPr lang="fr-FR" dirty="0" smtClean="0"/>
+              <a:rPr lang="fr-FR" dirty="0"/>
               <a:t>Lecture ligne par ligne</a:t>
             </a:r>
           </a:p>
           <a:p>
             <a:pPr lvl="1"/>
             <a:r>
-              <a:rPr lang="fr-FR" dirty="0" smtClean="0"/>
+              <a:rPr lang="fr-FR" dirty="0"/>
               <a:t>Si </a:t>
             </a:r>
             <a:r>
-              <a:rPr lang="fr-FR" dirty="0" err="1" smtClean="0"/>
+              <a:rPr lang="fr-FR" dirty="0" err="1"/>
               <a:t>readline</a:t>
             </a:r>
             <a:r>
-              <a:rPr lang="fr-FR" dirty="0" smtClean="0"/>
+              <a:rPr lang="fr-FR" dirty="0"/>
               <a:t>() renvoie une chine vide sans \n la fin du fichier est atteinte</a:t>
             </a:r>
           </a:p>
@@ -4241,13 +4204,6 @@
   <p:clrMapOvr>
     <a:masterClrMapping/>
   </p:clrMapOvr>
-  <p:timing>
-    <p:tnLst>
-      <p:par>
-        <p:cTn id="1" dur="indefinite" restart="never" nodeType="tmRoot"/>
-      </p:par>
-    </p:tnLst>
-  </p:timing>
 </p:sld>
 </file>
 
@@ -4284,10 +4240,9 @@
           <a:lstStyle/>
           <a:p>
             <a:r>
-              <a:rPr lang="fr-FR" dirty="0" smtClean="0"/>
+              <a:rPr lang="fr-FR" dirty="0"/>
               <a:t>Boucler sur un fichier</a:t>
             </a:r>
-            <a:endParaRPr lang="fr-FR" dirty="0"/>
           </a:p>
         </p:txBody>
       </p:sp>
@@ -4307,7 +4262,7 @@
           <a:lstStyle/>
           <a:p>
             <a:r>
-              <a:rPr lang="fr-FR" dirty="0" smtClean="0"/>
+              <a:rPr lang="fr-FR" dirty="0"/>
               <a:t>Il existe une écriture simplifiée pour lire le contenu d’un fichier ligne par ligne</a:t>
             </a:r>
           </a:p>
@@ -4315,27 +4270,27 @@
             <a:endParaRPr lang="fr-FR" dirty="0"/>
           </a:p>
           <a:p>
-            <a:endParaRPr lang="fr-FR" dirty="0" smtClean="0"/>
-          </a:p>
-          <a:p>
             <a:endParaRPr lang="fr-FR" dirty="0"/>
           </a:p>
           <a:p>
-            <a:r>
-              <a:rPr lang="fr-FR" dirty="0" smtClean="0"/>
+            <a:endParaRPr lang="fr-FR" dirty="0"/>
+          </a:p>
+          <a:p>
+            <a:r>
+              <a:rPr lang="fr-FR" dirty="0"/>
               <a:t>Il est également possible d’utiliser </a:t>
             </a:r>
             <a:r>
-              <a:rPr lang="fr-FR" dirty="0" err="1" smtClean="0"/>
+              <a:rPr lang="fr-FR" dirty="0" err="1"/>
               <a:t>readlines</a:t>
             </a:r>
             <a:r>
-              <a:rPr lang="fr-FR" dirty="0" smtClean="0"/>
+              <a:rPr lang="fr-FR" dirty="0"/>
               <a:t>() qui retourne une liste de string</a:t>
             </a:r>
           </a:p>
           <a:p>
-            <a:endParaRPr lang="fr-FR" dirty="0" smtClean="0"/>
+            <a:endParaRPr lang="fr-FR" dirty="0"/>
           </a:p>
           <a:p>
             <a:endParaRPr lang="fr-FR" dirty="0"/>
@@ -4376,13 +4331,6 @@
   <p:clrMapOvr>
     <a:masterClrMapping/>
   </p:clrMapOvr>
-  <p:timing>
-    <p:tnLst>
-      <p:par>
-        <p:cTn id="1" dur="indefinite" restart="never" nodeType="tmRoot"/>
-      </p:par>
-    </p:tnLst>
-  </p:timing>
 </p:sld>
 </file>
 
@@ -4419,10 +4367,9 @@
           <a:lstStyle/>
           <a:p>
             <a:r>
-              <a:rPr lang="fr-FR" dirty="0" smtClean="0"/>
+              <a:rPr lang="fr-FR" dirty="0"/>
               <a:t>Ecriture</a:t>
             </a:r>
-            <a:endParaRPr lang="fr-FR" dirty="0"/>
           </a:p>
         </p:txBody>
       </p:sp>
@@ -4442,40 +4389,40 @@
           <a:lstStyle/>
           <a:p>
             <a:r>
-              <a:rPr lang="fr-FR" dirty="0" smtClean="0"/>
+              <a:rPr lang="fr-FR" dirty="0"/>
               <a:t>Write()</a:t>
             </a:r>
           </a:p>
           <a:p>
             <a:pPr lvl="1"/>
             <a:r>
-              <a:rPr lang="fr-FR" dirty="0" smtClean="0"/>
+              <a:rPr lang="fr-FR" dirty="0"/>
               <a:t>Ecrit une chaîne dans un fichier</a:t>
             </a:r>
           </a:p>
           <a:p>
             <a:r>
-              <a:rPr lang="fr-FR" dirty="0" smtClean="0"/>
+              <a:rPr lang="fr-FR" dirty="0"/>
               <a:t>Close()</a:t>
             </a:r>
           </a:p>
           <a:p>
             <a:pPr lvl="1"/>
             <a:r>
-              <a:rPr lang="fr-FR" dirty="0" smtClean="0"/>
+              <a:rPr lang="fr-FR" dirty="0"/>
               <a:t>Ferme et flush le fichier</a:t>
             </a:r>
           </a:p>
           <a:p>
             <a:r>
-              <a:rPr lang="fr-FR" dirty="0" smtClean="0"/>
+              <a:rPr lang="fr-FR" dirty="0"/>
               <a:t>Flush()</a:t>
             </a:r>
           </a:p>
           <a:p>
             <a:pPr lvl="1"/>
             <a:r>
-              <a:rPr lang="fr-FR" dirty="0" smtClean="0"/>
+              <a:rPr lang="fr-FR" dirty="0"/>
               <a:t>Force l’écriture physique dans le fichier</a:t>
             </a:r>
           </a:p>
@@ -4515,13 +4462,6 @@
   <p:clrMapOvr>
     <a:masterClrMapping/>
   </p:clrMapOvr>
-  <p:timing>
-    <p:tnLst>
-      <p:par>
-        <p:cTn id="1" dur="indefinite" restart="never" nodeType="tmRoot"/>
-      </p:par>
-    </p:tnLst>
-  </p:timing>
 </p:sld>
 </file>
 
@@ -4558,10 +4498,9 @@
           <a:lstStyle/>
           <a:p>
             <a:r>
-              <a:rPr lang="fr-FR" dirty="0" smtClean="0"/>
+              <a:rPr lang="fr-FR" dirty="0"/>
               <a:t>Peur d’oublier le close()</a:t>
             </a:r>
-            <a:endParaRPr lang="fr-FR" dirty="0"/>
           </a:p>
         </p:txBody>
       </p:sp>
@@ -4581,33 +4520,32 @@
           <a:lstStyle/>
           <a:p>
             <a:r>
-              <a:rPr lang="fr-FR" dirty="0" err="1" smtClean="0"/>
+              <a:rPr lang="fr-FR" dirty="0" err="1"/>
               <a:t>With</a:t>
             </a:r>
-            <a:endParaRPr lang="fr-FR" dirty="0" smtClean="0"/>
-          </a:p>
-          <a:p>
-            <a:pPr lvl="1"/>
-            <a:r>
-              <a:rPr lang="fr-FR" dirty="0" smtClean="0"/>
+            <a:endParaRPr lang="fr-FR" dirty="0"/>
+          </a:p>
+          <a:p>
+            <a:pPr lvl="1"/>
+            <a:r>
+              <a:rPr lang="fr-FR" dirty="0"/>
               <a:t>Permet de clôturer automatiquement une fichier</a:t>
             </a:r>
           </a:p>
           <a:p>
             <a:pPr lvl="1"/>
             <a:r>
-              <a:rPr lang="fr-FR" dirty="0" smtClean="0"/>
+              <a:rPr lang="fr-FR" dirty="0"/>
               <a:t>Identique </a:t>
             </a:r>
             <a:r>
-              <a:rPr lang="fr-FR" dirty="0" err="1" smtClean="0"/>
+              <a:rPr lang="fr-FR" dirty="0" err="1"/>
               <a:t>Using</a:t>
             </a:r>
             <a:r>
-              <a:rPr lang="fr-FR" dirty="0" smtClean="0"/>
+              <a:rPr lang="fr-FR" dirty="0"/>
               <a:t> de C#</a:t>
             </a:r>
-            <a:endParaRPr lang="fr-FR" dirty="0"/>
           </a:p>
         </p:txBody>
       </p:sp>
@@ -4645,13 +4583,6 @@
   <p:clrMapOvr>
     <a:masterClrMapping/>
   </p:clrMapOvr>
-  <p:timing>
-    <p:tnLst>
-      <p:par>
-        <p:cTn id="1" dur="indefinite" restart="never" nodeType="tmRoot"/>
-      </p:par>
-    </p:tnLst>
-  </p:timing>
 </p:sld>
 </file>
 
@@ -4688,10 +4619,9 @@
           <a:lstStyle/>
           <a:p>
             <a:r>
-              <a:rPr lang="fr-FR" dirty="0" smtClean="0"/>
+              <a:rPr lang="fr-FR" dirty="0"/>
               <a:t>CSV</a:t>
             </a:r>
-            <a:endParaRPr lang="fr-FR" dirty="0"/>
           </a:p>
         </p:txBody>
       </p:sp>
@@ -4711,48 +4641,48 @@
           <a:lstStyle/>
           <a:p>
             <a:r>
-              <a:rPr lang="fr-FR" dirty="0" smtClean="0"/>
+              <a:rPr lang="fr-FR" dirty="0"/>
               <a:t>Un fichier CSV est un fichier où les données sont séparées par un séparateur</a:t>
             </a:r>
           </a:p>
           <a:p>
             <a:pPr lvl="1"/>
             <a:r>
-              <a:rPr lang="fr-FR" dirty="0" smtClean="0"/>
+              <a:rPr lang="fr-FR" dirty="0"/>
               <a:t>Par défaut le séparateur est « , »</a:t>
             </a:r>
           </a:p>
           <a:p>
             <a:pPr lvl="1"/>
             <a:r>
-              <a:rPr lang="fr-FR" dirty="0" smtClean="0"/>
+              <a:rPr lang="fr-FR" dirty="0"/>
               <a:t>Facultativement la première ligne représente le nom des colonnes</a:t>
             </a:r>
           </a:p>
           <a:p>
             <a:r>
-              <a:rPr lang="fr-FR" dirty="0" smtClean="0"/>
+              <a:rPr lang="fr-FR" dirty="0"/>
               <a:t>Module csv</a:t>
             </a:r>
           </a:p>
           <a:p>
             <a:pPr lvl="1"/>
             <a:r>
-              <a:rPr lang="fr-FR" dirty="0" smtClean="0"/>
+              <a:rPr lang="fr-FR" dirty="0"/>
               <a:t>Permet de lire et écrire facilement un CSV</a:t>
             </a:r>
           </a:p>
           <a:p>
             <a:pPr lvl="1"/>
             <a:r>
-              <a:rPr lang="fr-FR" dirty="0" smtClean="0"/>
+              <a:rPr lang="fr-FR" dirty="0"/>
               <a:t>Import csv</a:t>
             </a:r>
           </a:p>
           <a:p>
             <a:pPr lvl="1"/>
             <a:r>
-              <a:rPr lang="fr-FR" dirty="0" smtClean="0"/>
+              <a:rPr lang="fr-FR" dirty="0"/>
               <a:t>Binaire</a:t>
             </a:r>
           </a:p>
@@ -4768,13 +4698,6 @@
   <p:clrMapOvr>
     <a:masterClrMapping/>
   </p:clrMapOvr>
-  <p:timing>
-    <p:tnLst>
-      <p:par>
-        <p:cTn id="1" dur="indefinite" restart="never" nodeType="tmRoot"/>
-      </p:par>
-    </p:tnLst>
-  </p:timing>
 </p:sld>
 </file>
 
@@ -4811,10 +4734,9 @@
           <a:lstStyle/>
           <a:p>
             <a:r>
-              <a:rPr lang="fr-FR" dirty="0" smtClean="0"/>
+              <a:rPr lang="fr-FR" dirty="0"/>
               <a:t>CSV exemples</a:t>
             </a:r>
-            <a:endParaRPr lang="fr-FR" dirty="0"/>
           </a:p>
         </p:txBody>
       </p:sp>
@@ -4834,7 +4756,7 @@
           <a:lstStyle/>
           <a:p>
             <a:r>
-              <a:rPr lang="fr-FR" dirty="0" smtClean="0"/>
+              <a:rPr lang="fr-FR" dirty="0"/>
               <a:t>Lecture par ligne</a:t>
             </a:r>
           </a:p>
@@ -4842,14 +4764,14 @@
             <a:endParaRPr lang="fr-FR" dirty="0"/>
           </a:p>
           <a:p>
-            <a:endParaRPr lang="fr-FR" dirty="0" smtClean="0"/>
-          </a:p>
-          <a:p>
             <a:endParaRPr lang="fr-FR" dirty="0"/>
           </a:p>
           <a:p>
-            <a:r>
-              <a:rPr lang="fr-FR" dirty="0" smtClean="0"/>
+            <a:endParaRPr lang="fr-FR" dirty="0"/>
+          </a:p>
+          <a:p>
+            <a:r>
+              <a:rPr lang="fr-FR" dirty="0"/>
               <a:t>Changer le délimiteur</a:t>
             </a:r>
           </a:p>
@@ -4857,14 +4779,13 @@
             <a:endParaRPr lang="fr-FR" dirty="0"/>
           </a:p>
           <a:p>
-            <a:endParaRPr lang="fr-FR" dirty="0" smtClean="0"/>
-          </a:p>
-          <a:p>
-            <a:r>
-              <a:rPr lang="fr-FR" dirty="0" smtClean="0"/>
+            <a:endParaRPr lang="fr-FR" dirty="0"/>
+          </a:p>
+          <a:p>
+            <a:r>
+              <a:rPr lang="fr-FR" dirty="0"/>
               <a:t>Lecture par ligne et colonne</a:t>
             </a:r>
-            <a:endParaRPr lang="fr-FR" dirty="0"/>
           </a:p>
         </p:txBody>
       </p:sp>
@@ -4950,13 +4871,6 @@
   <p:clrMapOvr>
     <a:masterClrMapping/>
   </p:clrMapOvr>
-  <p:timing>
-    <p:tnLst>
-      <p:par>
-        <p:cTn id="1" dur="indefinite" restart="never" nodeType="tmRoot"/>
-      </p:par>
-    </p:tnLst>
-  </p:timing>
 </p:sld>
 </file>
 
@@ -4993,10 +4907,9 @@
           <a:lstStyle/>
           <a:p>
             <a:r>
-              <a:rPr lang="fr-FR" dirty="0" smtClean="0"/>
+              <a:rPr lang="fr-FR" dirty="0"/>
               <a:t>Sérialisation</a:t>
             </a:r>
-            <a:endParaRPr lang="fr-FR" dirty="0"/>
           </a:p>
         </p:txBody>
       </p:sp>
@@ -5016,46 +4929,46 @@
           <a:lstStyle/>
           <a:p>
             <a:r>
-              <a:rPr lang="fr-FR" dirty="0" smtClean="0"/>
+              <a:rPr lang="fr-FR" dirty="0"/>
               <a:t>Transformation d’un objet en binaire</a:t>
             </a:r>
           </a:p>
           <a:p>
             <a:pPr lvl="1"/>
             <a:r>
-              <a:rPr lang="fr-FR" dirty="0" smtClean="0"/>
+              <a:rPr lang="fr-FR" dirty="0"/>
               <a:t>Sérialisation</a:t>
             </a:r>
           </a:p>
           <a:p>
             <a:pPr lvl="1"/>
             <a:r>
-              <a:rPr lang="fr-FR" dirty="0" err="1" smtClean="0"/>
+              <a:rPr lang="fr-FR" dirty="0" err="1"/>
               <a:t>Marshalling</a:t>
             </a:r>
-            <a:endParaRPr lang="fr-FR" dirty="0" smtClean="0"/>
-          </a:p>
-          <a:p>
-            <a:r>
-              <a:rPr lang="fr-FR" dirty="0" smtClean="0"/>
+            <a:endParaRPr lang="fr-FR" dirty="0"/>
+          </a:p>
+          <a:p>
+            <a:r>
+              <a:rPr lang="fr-FR" dirty="0"/>
               <a:t>Transformation inverse</a:t>
             </a:r>
           </a:p>
           <a:p>
             <a:pPr lvl="1"/>
             <a:r>
-              <a:rPr lang="fr-FR" dirty="0" err="1" smtClean="0"/>
+              <a:rPr lang="fr-FR" dirty="0" err="1"/>
               <a:t>Désérialisation</a:t>
             </a:r>
-            <a:endParaRPr lang="fr-FR" dirty="0" smtClean="0"/>
-          </a:p>
-          <a:p>
-            <a:pPr lvl="1"/>
-            <a:r>
-              <a:rPr lang="fr-FR" dirty="0" err="1" smtClean="0"/>
+            <a:endParaRPr lang="fr-FR" dirty="0"/>
+          </a:p>
+          <a:p>
+            <a:pPr lvl="1"/>
+            <a:r>
+              <a:rPr lang="fr-FR" dirty="0" err="1"/>
               <a:t>Unmarshalling</a:t>
             </a:r>
-            <a:endParaRPr lang="fr-FR" dirty="0" smtClean="0"/>
+            <a:endParaRPr lang="fr-FR" dirty="0"/>
           </a:p>
         </p:txBody>
       </p:sp>
@@ -5069,13 +4982,6 @@
   <p:clrMapOvr>
     <a:masterClrMapping/>
   </p:clrMapOvr>
-  <p:timing>
-    <p:tnLst>
-      <p:par>
-        <p:cTn id="1" dur="indefinite" restart="never" nodeType="tmRoot"/>
-      </p:par>
-    </p:tnLst>
-  </p:timing>
 </p:sld>
 </file>
 
@@ -5112,7 +5018,7 @@
           <a:lstStyle/>
           <a:p>
             <a:r>
-              <a:rPr lang="fr-FR" dirty="0" err="1" smtClean="0"/>
+              <a:rPr lang="fr-FR" dirty="0" err="1"/>
               <a:t>Pickle</a:t>
             </a:r>
             <a:endParaRPr lang="fr-FR" dirty="0"/>
@@ -5239,14 +5145,14 @@
               <a:t> de </a:t>
             </a:r>
             <a:r>
-              <a:rPr lang="en-GB" altLang="fr-FR" dirty="0" err="1" smtClean="0"/>
+              <a:rPr lang="en-GB" altLang="fr-FR" dirty="0" err="1"/>
               <a:t>caractères</a:t>
             </a:r>
-            <a:endParaRPr lang="en-GB" altLang="fr-FR" dirty="0" smtClean="0"/>
-          </a:p>
-          <a:p>
-            <a:r>
-              <a:rPr lang="en-GB" altLang="fr-FR" dirty="0" smtClean="0"/>
+            <a:endParaRPr lang="en-GB" altLang="fr-FR" dirty="0"/>
+          </a:p>
+          <a:p>
+            <a:r>
+              <a:rPr lang="en-GB" altLang="fr-FR" dirty="0"/>
               <a:t>Ce </a:t>
             </a:r>
             <a:r>
@@ -5266,18 +5172,18 @@
               <a:t> </a:t>
             </a:r>
             <a:r>
-              <a:rPr lang="en-GB" altLang="fr-FR" b="1" dirty="0" smtClean="0"/>
+              <a:rPr lang="en-GB" altLang="fr-FR" b="1" dirty="0"/>
               <a:t>pickling</a:t>
             </a:r>
             <a:endParaRPr lang="en-GB" altLang="fr-FR" dirty="0"/>
           </a:p>
           <a:p>
             <a:r>
-              <a:rPr lang="en-GB" altLang="fr-FR" dirty="0" err="1" smtClean="0"/>
+              <a:rPr lang="en-GB" altLang="fr-FR" dirty="0" err="1"/>
               <a:t>Reconstruire</a:t>
             </a:r>
             <a:r>
-              <a:rPr lang="en-GB" altLang="fr-FR" dirty="0" smtClean="0"/>
+              <a:rPr lang="en-GB" altLang="fr-FR" dirty="0"/>
               <a:t> </a:t>
             </a:r>
             <a:r>
@@ -5345,7 +5251,7 @@
               <a:t> </a:t>
             </a:r>
             <a:r>
-              <a:rPr lang="en-GB" altLang="fr-FR" b="1" dirty="0" err="1" smtClean="0"/>
+              <a:rPr lang="en-GB" altLang="fr-FR" b="1" dirty="0" err="1"/>
               <a:t>unpickling</a:t>
             </a:r>
             <a:endParaRPr lang="en-GB" altLang="fr-FR" dirty="0"/>
@@ -5353,12 +5259,8 @@
           <a:p>
             <a:pPr lvl="1"/>
             <a:r>
-              <a:rPr lang="en-GB" altLang="fr-FR" dirty="0" smtClean="0"/>
-              <a:t>Entre </a:t>
-            </a:r>
-            <a:r>
               <a:rPr lang="en-GB" altLang="fr-FR" dirty="0"/>
-              <a:t>pickling et </a:t>
+              <a:t>Entre pickling et </a:t>
             </a:r>
             <a:r>
               <a:rPr lang="en-GB" altLang="fr-FR" dirty="0" err="1"/>
@@ -5522,13 +5424,6 @@
   <p:clrMapOvr>
     <a:masterClrMapping/>
   </p:clrMapOvr>
-  <p:timing>
-    <p:tnLst>
-      <p:par>
-        <p:cTn id="1" dur="indefinite" restart="never" nodeType="tmRoot"/>
-      </p:par>
-    </p:tnLst>
-  </p:timing>
 </p:sld>
 </file>
 
@@ -5565,7 +5460,7 @@
           <a:lstStyle/>
           <a:p>
             <a:r>
-              <a:rPr lang="fr-FR" dirty="0" err="1" smtClean="0"/>
+              <a:rPr lang="fr-FR" dirty="0" err="1"/>
               <a:t>Pickle</a:t>
             </a:r>
             <a:endParaRPr lang="fr-FR" dirty="0"/>
@@ -5589,15 +5484,7 @@
           <a:p>
             <a:r>
               <a:rPr lang="fr-FR" dirty="0"/>
-              <a:t>Si vous avez un objet x, et un objet fichier f ouvert </a:t>
-            </a:r>
-            <a:r>
-              <a:rPr lang="fr-FR" dirty="0" smtClean="0"/>
-              <a:t>en écriture</a:t>
-            </a:r>
-            <a:r>
-              <a:rPr lang="fr-FR" dirty="0"/>
-              <a:t>, la voie la plus simple de ``</a:t>
+              <a:t>Si vous avez un objet x, et un objet fichier f ouvert en écriture, la voie la plus simple de ``</a:t>
             </a:r>
             <a:r>
               <a:rPr lang="fr-FR" dirty="0" err="1"/>
@@ -5605,21 +5492,8 @@
             </a:r>
             <a:r>
               <a:rPr lang="fr-FR" dirty="0"/>
-              <a:t>'' l'objet </a:t>
-            </a:r>
-            <a:r>
-              <a:rPr lang="fr-FR" dirty="0" smtClean="0"/>
-              <a:t>prend seulement </a:t>
-            </a:r>
-            <a:r>
-              <a:rPr lang="fr-FR" dirty="0"/>
-              <a:t>une ligne de </a:t>
-            </a:r>
-            <a:r>
-              <a:rPr lang="fr-FR" dirty="0" smtClean="0"/>
-              <a:t>code </a:t>
-            </a:r>
-            <a:endParaRPr lang="fr-FR" dirty="0"/>
+              <a:t>'' l'objet prend seulement une ligne de code </a:t>
+            </a:r>
           </a:p>
           <a:p>
             <a:pPr lvl="1"/>
@@ -5643,21 +5517,8 @@
             </a:r>
             <a:r>
               <a:rPr lang="fr-FR" dirty="0"/>
-              <a:t>'' l'objet, si f est un objet fichier </a:t>
-            </a:r>
-            <a:r>
-              <a:rPr lang="fr-FR" dirty="0" smtClean="0"/>
-              <a:t>ouvert </a:t>
-            </a:r>
-            <a:r>
-              <a:rPr lang="fr-FR" dirty="0"/>
-              <a:t>en </a:t>
-            </a:r>
-            <a:r>
-              <a:rPr lang="fr-FR" dirty="0" smtClean="0"/>
-              <a:t>lecture</a:t>
-            </a:r>
-            <a:endParaRPr lang="fr-FR" dirty="0"/>
+              <a:t>'' l'objet, si f est un objet fichier ouvert en lecture</a:t>
+            </a:r>
           </a:p>
           <a:p>
             <a:pPr lvl="1"/>
@@ -5689,13 +5550,6 @@
   <p:clrMapOvr>
     <a:masterClrMapping/>
   </p:clrMapOvr>
-  <p:timing>
-    <p:tnLst>
-      <p:par>
-        <p:cTn id="1" dur="indefinite" restart="never" nodeType="tmRoot"/>
-      </p:par>
-    </p:tnLst>
-  </p:timing>
 </p:sld>
 </file>
 
@@ -5732,10 +5586,9 @@
           <a:lstStyle/>
           <a:p>
             <a:r>
-              <a:rPr lang="fr-FR" dirty="0" smtClean="0"/>
+              <a:rPr lang="fr-FR" dirty="0"/>
               <a:t>Scripting</a:t>
             </a:r>
-            <a:endParaRPr lang="fr-FR" dirty="0"/>
           </a:p>
         </p:txBody>
       </p:sp>
@@ -5755,31 +5608,30 @@
           <a:lstStyle/>
           <a:p>
             <a:r>
-              <a:rPr lang="fr-FR" dirty="0" smtClean="0"/>
+              <a:rPr lang="fr-FR" dirty="0"/>
               <a:t>Python est très utilisé pour du </a:t>
             </a:r>
             <a:r>
-              <a:rPr lang="fr-FR" dirty="0" err="1" smtClean="0"/>
+              <a:rPr lang="fr-FR" dirty="0" err="1"/>
               <a:t>scripting</a:t>
             </a:r>
             <a:r>
-              <a:rPr lang="fr-FR" dirty="0" smtClean="0"/>
+              <a:rPr lang="fr-FR" dirty="0"/>
               <a:t> d’OS</a:t>
             </a:r>
           </a:p>
           <a:p>
             <a:pPr lvl="1"/>
             <a:r>
-              <a:rPr lang="fr-FR" dirty="0" smtClean="0"/>
+              <a:rPr lang="fr-FR" dirty="0"/>
               <a:t>Utilise des fonctions systèmes</a:t>
             </a:r>
           </a:p>
           <a:p>
             <a:r>
-              <a:rPr lang="fr-FR" dirty="0" smtClean="0"/>
+              <a:rPr lang="fr-FR" dirty="0"/>
               <a:t>Modules OS, Sys, …</a:t>
             </a:r>
-            <a:endParaRPr lang="fr-FR" dirty="0"/>
           </a:p>
         </p:txBody>
       </p:sp>
@@ -5793,13 +5645,6 @@
   <p:clrMapOvr>
     <a:masterClrMapping/>
   </p:clrMapOvr>
-  <p:timing>
-    <p:tnLst>
-      <p:par>
-        <p:cTn id="1" dur="indefinite" restart="never" nodeType="tmRoot"/>
-      </p:par>
-    </p:tnLst>
-  </p:timing>
 </p:sld>
 </file>
 
@@ -5836,10 +5681,9 @@
           <a:lstStyle/>
           <a:p>
             <a:r>
-              <a:rPr lang="fr-FR" dirty="0" smtClean="0"/>
+              <a:rPr lang="fr-FR" dirty="0"/>
               <a:t>XML</a:t>
             </a:r>
-            <a:endParaRPr lang="fr-FR" dirty="0"/>
           </a:p>
         </p:txBody>
       </p:sp>
@@ -5859,29 +5703,29 @@
           <a:lstStyle/>
           <a:p>
             <a:r>
-              <a:rPr lang="fr-FR" dirty="0" smtClean="0"/>
+              <a:rPr lang="fr-FR" dirty="0"/>
               <a:t>DOM</a:t>
             </a:r>
           </a:p>
           <a:p>
             <a:pPr lvl="1"/>
             <a:r>
-              <a:rPr lang="fr-FR" dirty="0" smtClean="0"/>
+              <a:rPr lang="fr-FR" dirty="0"/>
               <a:t>Document Object Model</a:t>
             </a:r>
           </a:p>
           <a:p>
             <a:pPr lvl="1"/>
             <a:r>
-              <a:rPr lang="fr-FR" dirty="0" smtClean="0"/>
+              <a:rPr lang="fr-FR" dirty="0"/>
               <a:t>Permet de </a:t>
             </a:r>
             <a:r>
-              <a:rPr lang="fr-FR" dirty="0" err="1" smtClean="0"/>
+              <a:rPr lang="fr-FR" dirty="0" err="1"/>
               <a:t>parser</a:t>
             </a:r>
             <a:r>
-              <a:rPr lang="fr-FR" dirty="0" smtClean="0"/>
+              <a:rPr lang="fr-FR" dirty="0"/>
               <a:t> un document XML sous la forme d’un arbre d’objet</a:t>
             </a:r>
           </a:p>
@@ -5892,14 +5736,14 @@
               <a:t>Module Python utilise : </a:t>
             </a:r>
             <a:r>
-              <a:rPr lang="fr-FR" dirty="0" err="1" smtClean="0"/>
+              <a:rPr lang="fr-FR" dirty="0" err="1"/>
               <a:t>xml.dom.minidom</a:t>
             </a:r>
-            <a:endParaRPr lang="fr-FR" dirty="0" smtClean="0"/>
-          </a:p>
-          <a:p>
-            <a:r>
-              <a:rPr lang="fr-FR" dirty="0" smtClean="0"/>
+            <a:endParaRPr lang="fr-FR" dirty="0"/>
+          </a:p>
+          <a:p>
+            <a:r>
+              <a:rPr lang="fr-FR" dirty="0"/>
               <a:t>Les types DOM</a:t>
             </a:r>
           </a:p>
@@ -5911,21 +5755,17 @@
             </a:r>
             <a:r>
               <a:rPr lang="fr-FR" dirty="0"/>
-              <a:t> Interface de base des </a:t>
-            </a:r>
-            <a:r>
-              <a:rPr lang="fr-FR" dirty="0" smtClean="0"/>
-              <a:t>nœuds</a:t>
-            </a:r>
-          </a:p>
-          <a:p>
-            <a:pPr lvl="1"/>
-            <a:r>
-              <a:rPr lang="fr-FR" dirty="0" err="1" smtClean="0"/>
+              <a:t> Interface de base des nœuds</a:t>
+            </a:r>
+          </a:p>
+          <a:p>
+            <a:pPr lvl="1"/>
+            <a:r>
+              <a:rPr lang="fr-FR" dirty="0" err="1"/>
               <a:t>NodeList</a:t>
             </a:r>
             <a:r>
-              <a:rPr lang="fr-FR" dirty="0" smtClean="0"/>
+              <a:rPr lang="fr-FR" dirty="0"/>
               <a:t> </a:t>
             </a:r>
             <a:r>
@@ -5945,7 +5785,7 @@
           <a:p>
             <a:pPr lvl="1"/>
             <a:r>
-              <a:rPr lang="fr-FR" dirty="0" smtClean="0"/>
+              <a:rPr lang="fr-FR" dirty="0"/>
               <a:t>Document </a:t>
             </a:r>
             <a:r>
@@ -5960,23 +5800,23 @@
           <a:p>
             <a:pPr lvl="1"/>
             <a:r>
-              <a:rPr lang="fr-FR" dirty="0" err="1" smtClean="0"/>
-              <a:t>Element</a:t>
-            </a:r>
-            <a:r>
-              <a:rPr lang="fr-FR" dirty="0" smtClean="0"/>
-              <a:t> </a:t>
-            </a:r>
-            <a:r>
               <a:rPr lang="fr-FR" dirty="0" err="1"/>
               <a:t>Element</a:t>
             </a:r>
             <a:r>
               <a:rPr lang="fr-FR" dirty="0"/>
+              <a:t> </a:t>
+            </a:r>
+            <a:r>
+              <a:rPr lang="fr-FR" dirty="0" err="1"/>
+              <a:t>Element</a:t>
+            </a:r>
+            <a:r>
+              <a:rPr lang="fr-FR" dirty="0"/>
               <a:t> de la </a:t>
             </a:r>
             <a:r>
-              <a:rPr lang="fr-FR" dirty="0" err="1" smtClean="0"/>
+              <a:rPr lang="fr-FR" dirty="0" err="1"/>
               <a:t>hierarchie</a:t>
             </a:r>
             <a:endParaRPr lang="fr-FR" dirty="0"/>
@@ -5984,11 +5824,11 @@
           <a:p>
             <a:pPr lvl="1"/>
             <a:r>
-              <a:rPr lang="fr-FR" dirty="0" err="1" smtClean="0"/>
+              <a:rPr lang="fr-FR" dirty="0" err="1"/>
               <a:t>Attr</a:t>
             </a:r>
             <a:r>
-              <a:rPr lang="fr-FR" dirty="0" smtClean="0"/>
+              <a:rPr lang="fr-FR" dirty="0"/>
               <a:t> </a:t>
             </a:r>
             <a:r>
@@ -6005,21 +5845,17 @@
             </a:r>
             <a:r>
               <a:rPr lang="fr-FR" dirty="0"/>
-              <a:t> un attribut d’un </a:t>
-            </a:r>
-            <a:r>
-              <a:rPr lang="fr-FR" dirty="0" smtClean="0"/>
-              <a:t>nœud</a:t>
-            </a:r>
-          </a:p>
-          <a:p>
-            <a:pPr lvl="1"/>
-            <a:r>
-              <a:rPr lang="fr-FR" dirty="0" err="1" smtClean="0"/>
+              <a:t> un attribut d’un nœud</a:t>
+            </a:r>
+          </a:p>
+          <a:p>
+            <a:pPr lvl="1"/>
+            <a:r>
+              <a:rPr lang="fr-FR" dirty="0" err="1"/>
               <a:t>Text</a:t>
             </a:r>
             <a:r>
-              <a:rPr lang="fr-FR" dirty="0" smtClean="0"/>
+              <a:rPr lang="fr-FR" dirty="0"/>
               <a:t> </a:t>
             </a:r>
             <a:r>
@@ -6051,13 +5887,6 @@
   <p:clrMapOvr>
     <a:masterClrMapping/>
   </p:clrMapOvr>
-  <p:timing>
-    <p:tnLst>
-      <p:par>
-        <p:cTn id="1" dur="indefinite" restart="never" nodeType="tmRoot"/>
-      </p:par>
-    </p:tnLst>
-  </p:timing>
 </p:sld>
 </file>
 
@@ -6094,10 +5923,9 @@
           <a:lstStyle/>
           <a:p>
             <a:r>
-              <a:rPr lang="fr-FR" dirty="0" smtClean="0"/>
+              <a:rPr lang="fr-FR" dirty="0"/>
               <a:t>Lecture DOM</a:t>
             </a:r>
-            <a:endParaRPr lang="fr-FR" dirty="0"/>
           </a:p>
         </p:txBody>
       </p:sp>
@@ -6122,37 +5950,33 @@
             </a:r>
             <a:r>
               <a:rPr lang="fr-FR" dirty="0"/>
-              <a:t> </a:t>
-            </a:r>
-            <a:r>
-              <a:rPr lang="fr-FR" dirty="0" smtClean="0"/>
-              <a:t>:</a:t>
-            </a:r>
-          </a:p>
-          <a:p>
-            <a:pPr lvl="1"/>
-            <a:r>
-              <a:rPr lang="fr-FR" dirty="0" smtClean="0"/>
+              <a:t> :</a:t>
+            </a:r>
+          </a:p>
+          <a:p>
+            <a:pPr lvl="1"/>
+            <a:r>
+              <a:rPr lang="fr-FR" dirty="0"/>
               <a:t>Import </a:t>
             </a:r>
             <a:r>
-              <a:rPr lang="fr-FR" dirty="0" err="1" smtClean="0"/>
+              <a:rPr lang="fr-FR" dirty="0" err="1"/>
               <a:t>xml.dom.minidom</a:t>
             </a:r>
             <a:r>
-              <a:rPr lang="fr-FR" dirty="0" smtClean="0"/>
+              <a:rPr lang="fr-FR" dirty="0"/>
               <a:t> as </a:t>
             </a:r>
             <a:r>
-              <a:rPr lang="fr-FR" dirty="0" err="1" smtClean="0"/>
+              <a:rPr lang="fr-FR" dirty="0" err="1"/>
               <a:t>minidom</a:t>
             </a:r>
-            <a:endParaRPr lang="fr-FR" dirty="0" smtClean="0"/>
-          </a:p>
-          <a:p>
-            <a:pPr lvl="1"/>
-            <a:r>
-              <a:rPr lang="fr-FR" dirty="0" err="1" smtClean="0"/>
+            <a:endParaRPr lang="fr-FR" dirty="0"/>
+          </a:p>
+          <a:p>
+            <a:pPr lvl="1"/>
+            <a:r>
+              <a:rPr lang="fr-FR" dirty="0" err="1"/>
               <a:t>minidom.parse</a:t>
             </a:r>
             <a:r>
@@ -6162,7 +5986,7 @@
           </a:p>
           <a:p>
             <a:r>
-              <a:rPr lang="fr-FR" dirty="0" err="1" smtClean="0"/>
+              <a:rPr lang="fr-FR" dirty="0" err="1"/>
               <a:t>Methodes</a:t>
             </a:r>
             <a:endParaRPr lang="fr-FR" dirty="0"/>
@@ -6170,18 +5994,18 @@
           <a:p>
             <a:pPr lvl="1"/>
             <a:r>
-              <a:rPr lang="fr-FR" dirty="0" err="1" smtClean="0"/>
+              <a:rPr lang="fr-FR" dirty="0" err="1"/>
               <a:t>hasChildNodes</a:t>
             </a:r>
             <a:r>
-              <a:rPr lang="fr-FR" dirty="0" smtClean="0"/>
+              <a:rPr lang="fr-FR" dirty="0"/>
               <a:t>()</a:t>
             </a:r>
           </a:p>
           <a:p>
             <a:pPr lvl="1"/>
             <a:r>
-              <a:rPr lang="fr-FR" dirty="0" err="1" smtClean="0"/>
+              <a:rPr lang="fr-FR" dirty="0" err="1"/>
               <a:t>childNodes</a:t>
             </a:r>
             <a:endParaRPr lang="fr-FR" dirty="0"/>
@@ -6189,7 +6013,7 @@
           <a:p>
             <a:pPr lvl="1"/>
             <a:r>
-              <a:rPr lang="fr-FR" dirty="0" err="1" smtClean="0"/>
+              <a:rPr lang="fr-FR" dirty="0" err="1"/>
               <a:t>documentElement</a:t>
             </a:r>
             <a:endParaRPr lang="fr-FR" dirty="0"/>
@@ -6197,7 +6021,7 @@
           <a:p>
             <a:pPr lvl="1"/>
             <a:r>
-              <a:rPr lang="fr-FR" dirty="0" err="1" smtClean="0"/>
+              <a:rPr lang="fr-FR" dirty="0" err="1"/>
               <a:t>firstChild</a:t>
             </a:r>
             <a:r>
@@ -6213,7 +6037,7 @@
           <a:p>
             <a:pPr lvl="1"/>
             <a:r>
-              <a:rPr lang="fr-FR" dirty="0" err="1" smtClean="0"/>
+              <a:rPr lang="fr-FR" dirty="0" err="1"/>
               <a:t>nextSibling</a:t>
             </a:r>
             <a:r>
@@ -6229,7 +6053,7 @@
           <a:p>
             <a:pPr lvl="1"/>
             <a:r>
-              <a:rPr lang="fr-FR" dirty="0" err="1" smtClean="0"/>
+              <a:rPr lang="fr-FR" dirty="0" err="1"/>
               <a:t>parentNode</a:t>
             </a:r>
             <a:endParaRPr lang="fr-FR" dirty="0"/>
@@ -6237,16 +6061,12 @@
           <a:p>
             <a:pPr lvl="1"/>
             <a:r>
-              <a:rPr lang="fr-FR" dirty="0" err="1" smtClean="0"/>
+              <a:rPr lang="fr-FR" dirty="0" err="1"/>
               <a:t>getElementsByTagName</a:t>
             </a:r>
             <a:r>
-              <a:rPr lang="fr-FR" dirty="0" smtClean="0"/>
-              <a:t>(tag</a:t>
-            </a:r>
-            <a:r>
-              <a:rPr lang="fr-FR" dirty="0"/>
-              <a:t>)</a:t>
+              <a:rPr lang="fr-FR" dirty="0"/>
+              <a:t>(tag)</a:t>
             </a:r>
           </a:p>
         </p:txBody>
@@ -6261,13 +6081,6 @@
   <p:clrMapOvr>
     <a:masterClrMapping/>
   </p:clrMapOvr>
-  <p:timing>
-    <p:tnLst>
-      <p:par>
-        <p:cTn id="1" dur="indefinite" restart="never" nodeType="tmRoot"/>
-      </p:par>
-    </p:tnLst>
-  </p:timing>
 </p:sld>
 </file>
 
@@ -6304,7 +6117,7 @@
           <a:lstStyle/>
           <a:p>
             <a:r>
-              <a:rPr lang="fr-FR" dirty="0" err="1" smtClean="0"/>
+              <a:rPr lang="fr-FR" dirty="0" err="1"/>
               <a:t>Noeuds</a:t>
             </a:r>
             <a:endParaRPr lang="fr-FR" dirty="0"/>
@@ -6339,7 +6152,7 @@
           <a:p>
             <a:pPr lvl="1"/>
             <a:r>
-              <a:rPr lang="fr-FR" dirty="0" err="1" smtClean="0"/>
+              <a:rPr lang="fr-FR" dirty="0" err="1"/>
               <a:t>nodeType</a:t>
             </a:r>
             <a:endParaRPr lang="fr-FR" dirty="0"/>
@@ -6347,7 +6160,7 @@
           <a:p>
             <a:pPr lvl="1"/>
             <a:r>
-              <a:rPr lang="fr-FR" dirty="0" err="1" smtClean="0"/>
+              <a:rPr lang="fr-FR" dirty="0" err="1"/>
               <a:t>nodeName</a:t>
             </a:r>
             <a:endParaRPr lang="fr-FR" dirty="0"/>
@@ -6355,7 +6168,7 @@
           <a:p>
             <a:pPr lvl="1"/>
             <a:r>
-              <a:rPr lang="fr-FR" dirty="0" err="1" smtClean="0"/>
+              <a:rPr lang="fr-FR" dirty="0" err="1"/>
               <a:t>nodeValue</a:t>
             </a:r>
             <a:endParaRPr lang="fr-FR" dirty="0"/>
@@ -6363,7 +6176,7 @@
           <a:p>
             <a:pPr lvl="1"/>
             <a:r>
-              <a:rPr lang="fr-FR" dirty="0" err="1" smtClean="0"/>
+              <a:rPr lang="fr-FR" dirty="0" err="1"/>
               <a:t>hasAttributes</a:t>
             </a:r>
             <a:r>
@@ -6374,7 +6187,7 @@
           <a:p>
             <a:pPr lvl="1"/>
             <a:r>
-              <a:rPr lang="fr-FR" dirty="0" err="1" smtClean="0"/>
+              <a:rPr lang="fr-FR" dirty="0" err="1"/>
               <a:t>attributes</a:t>
             </a:r>
             <a:endParaRPr lang="fr-FR" dirty="0"/>
@@ -6382,19 +6195,19 @@
           <a:p>
             <a:pPr lvl="1"/>
             <a:r>
-              <a:rPr lang="fr-FR" dirty="0" err="1" smtClean="0"/>
+              <a:rPr lang="fr-FR" dirty="0" err="1"/>
               <a:t>getAttribute</a:t>
             </a:r>
             <a:r>
-              <a:rPr lang="fr-FR" dirty="0" smtClean="0"/>
+              <a:rPr lang="fr-FR" dirty="0"/>
               <a:t>(</a:t>
             </a:r>
             <a:r>
-              <a:rPr lang="fr-FR" dirty="0" err="1" smtClean="0"/>
+              <a:rPr lang="fr-FR" dirty="0" err="1"/>
               <a:t>attr</a:t>
             </a:r>
             <a:r>
-              <a:rPr lang="fr-FR" dirty="0" smtClean="0"/>
+              <a:rPr lang="fr-FR" dirty="0"/>
               <a:t>)</a:t>
             </a:r>
           </a:p>
@@ -6434,13 +6247,6 @@
   <p:clrMapOvr>
     <a:masterClrMapping/>
   </p:clrMapOvr>
-  <p:timing>
-    <p:tnLst>
-      <p:par>
-        <p:cTn id="1" dur="indefinite" restart="never" nodeType="tmRoot"/>
-      </p:par>
-    </p:tnLst>
-  </p:timing>
 </p:sld>
 </file>
 
@@ -6477,10 +6283,9 @@
           <a:lstStyle/>
           <a:p>
             <a:r>
-              <a:rPr lang="fr-FR" dirty="0" smtClean="0"/>
+              <a:rPr lang="fr-FR" dirty="0"/>
               <a:t>Ecriture</a:t>
             </a:r>
-            <a:endParaRPr lang="fr-FR" dirty="0"/>
           </a:p>
         </p:txBody>
       </p:sp>
@@ -6500,31 +6305,31 @@
           <a:lstStyle/>
           <a:p>
             <a:r>
-              <a:rPr lang="fr-FR" dirty="0" smtClean="0"/>
+              <a:rPr lang="fr-FR" dirty="0"/>
               <a:t>Document() pour créer un document</a:t>
             </a:r>
           </a:p>
           <a:p>
             <a:r>
-              <a:rPr lang="fr-FR" dirty="0" err="1" smtClean="0"/>
+              <a:rPr lang="fr-FR" dirty="0" err="1"/>
               <a:t>createElement</a:t>
             </a:r>
             <a:r>
-              <a:rPr lang="fr-FR" dirty="0" smtClean="0"/>
+              <a:rPr lang="fr-FR" dirty="0"/>
               <a:t> pour créer un élément</a:t>
             </a:r>
           </a:p>
           <a:p>
             <a:r>
-              <a:rPr lang="fr-FR" dirty="0" err="1" smtClean="0"/>
+              <a:rPr lang="fr-FR" dirty="0" err="1"/>
               <a:t>appendChild</a:t>
             </a:r>
             <a:r>
-              <a:rPr lang="fr-FR" dirty="0" smtClean="0"/>
+              <a:rPr lang="fr-FR" dirty="0"/>
               <a:t> pour l’attacher à un </a:t>
             </a:r>
             <a:r>
-              <a:rPr lang="fr-FR" dirty="0" err="1" smtClean="0"/>
+              <a:rPr lang="fr-FR" dirty="0" err="1"/>
               <a:t>noeud</a:t>
             </a:r>
             <a:endParaRPr lang="fr-FR" dirty="0"/>
@@ -6565,13 +6370,6 @@
   <p:clrMapOvr>
     <a:masterClrMapping/>
   </p:clrMapOvr>
-  <p:timing>
-    <p:tnLst>
-      <p:par>
-        <p:cTn id="1" dur="indefinite" restart="never" nodeType="tmRoot"/>
-      </p:par>
-    </p:tnLst>
-  </p:timing>
 </p:sld>
 </file>
 
@@ -6608,10 +6406,9 @@
           <a:lstStyle/>
           <a:p>
             <a:r>
-              <a:rPr lang="fr-FR" dirty="0" smtClean="0"/>
+              <a:rPr lang="fr-FR" dirty="0"/>
               <a:t>JSON</a:t>
             </a:r>
-            <a:endParaRPr lang="fr-FR" dirty="0"/>
           </a:p>
         </p:txBody>
       </p:sp>
@@ -6637,71 +6434,29 @@
           </a:p>
           <a:p>
             <a:r>
-              <a:rPr lang="fr-FR" dirty="0" smtClean="0"/>
-              <a:t>Format </a:t>
-            </a:r>
-            <a:r>
-              <a:rPr lang="fr-FR" dirty="0" smtClean="0"/>
-              <a:t>léger </a:t>
-            </a:r>
-            <a:r>
-              <a:rPr lang="fr-FR" dirty="0"/>
-              <a:t>pour </a:t>
-            </a:r>
-            <a:r>
-              <a:rPr lang="fr-FR" dirty="0" smtClean="0"/>
-              <a:t>l‘</a:t>
-            </a:r>
-            <a:r>
-              <a:rPr lang="fr-FR" dirty="0" smtClean="0"/>
-              <a:t>é</a:t>
-            </a:r>
-            <a:r>
-              <a:rPr lang="fr-FR" dirty="0" smtClean="0"/>
-              <a:t>change </a:t>
-            </a:r>
-            <a:r>
-              <a:rPr lang="fr-FR" dirty="0"/>
-              <a:t>de </a:t>
-            </a:r>
-            <a:r>
-              <a:rPr lang="fr-FR" dirty="0" smtClean="0"/>
-              <a:t>données</a:t>
+              <a:rPr lang="fr-FR" dirty="0"/>
+              <a:t>Format léger pour l‘échange de données</a:t>
+            </a:r>
+          </a:p>
+          <a:p>
+            <a:r>
+              <a:rPr lang="fr-FR" dirty="0"/>
+              <a:t>Avantages</a:t>
+            </a:r>
+          </a:p>
+          <a:p>
+            <a:pPr lvl="1"/>
+            <a:r>
+              <a:rPr lang="fr-FR"/>
+              <a:t>Typé</a:t>
             </a:r>
             <a:endParaRPr lang="fr-FR" dirty="0"/>
           </a:p>
           <a:p>
-            <a:r>
-              <a:rPr lang="fr-FR" dirty="0" smtClean="0"/>
-              <a:t>Avantages</a:t>
-            </a:r>
-            <a:endParaRPr lang="fr-FR" dirty="0"/>
-          </a:p>
-          <a:p>
-            <a:pPr lvl="1"/>
-            <a:r>
-              <a:rPr lang="fr-FR" smtClean="0"/>
-              <a:t>Typé</a:t>
-            </a:r>
-            <a:endParaRPr lang="fr-FR" dirty="0"/>
-          </a:p>
-          <a:p>
-            <a:pPr lvl="1"/>
-            <a:r>
-              <a:rPr lang="fr-FR" dirty="0" smtClean="0"/>
-              <a:t>Facile </a:t>
-            </a:r>
-            <a:r>
-              <a:rPr lang="fr-FR" dirty="0"/>
-              <a:t>pour les machines </a:t>
-            </a:r>
-            <a:r>
-              <a:rPr lang="fr-FR" dirty="0" smtClean="0"/>
-              <a:t>à générer </a:t>
-            </a:r>
-            <a:r>
-              <a:rPr lang="fr-FR" dirty="0"/>
-              <a:t>et </a:t>
+            <a:pPr lvl="1"/>
+            <a:r>
+              <a:rPr lang="fr-FR" dirty="0"/>
+              <a:t>Facile pour les machines à générer et </a:t>
             </a:r>
             <a:r>
               <a:rPr lang="fr-FR" dirty="0" err="1"/>
@@ -6745,13 +6500,6 @@
   <p:clrMapOvr>
     <a:masterClrMapping/>
   </p:clrMapOvr>
-  <p:timing>
-    <p:tnLst>
-      <p:par>
-        <p:cTn id="1" dur="indefinite" restart="never" nodeType="tmRoot"/>
-      </p:par>
-    </p:tnLst>
-  </p:timing>
 </p:sld>
 </file>
 
@@ -6788,11 +6536,11 @@
           <a:lstStyle/>
           <a:p>
             <a:r>
-              <a:rPr lang="fr-FR" dirty="0" smtClean="0"/>
+              <a:rPr lang="fr-FR" dirty="0"/>
               <a:t>Module </a:t>
             </a:r>
             <a:r>
-              <a:rPr lang="fr-FR" dirty="0" err="1" smtClean="0"/>
+              <a:rPr lang="fr-FR" dirty="0" err="1"/>
               <a:t>json</a:t>
             </a:r>
             <a:endParaRPr lang="fr-FR" dirty="0"/>
@@ -6815,56 +6563,50 @@
           <a:lstStyle/>
           <a:p>
             <a:r>
-              <a:rPr lang="fr-FR" dirty="0" smtClean="0"/>
+              <a:rPr lang="fr-FR" dirty="0"/>
               <a:t>Encodage</a:t>
             </a:r>
+          </a:p>
+          <a:p>
+            <a:pPr lvl="1"/>
+            <a:r>
+              <a:rPr lang="fr-FR" dirty="0"/>
+              <a:t>dumps(</a:t>
+            </a:r>
+            <a:r>
+              <a:rPr lang="fr-FR" dirty="0" err="1"/>
+              <a:t>obj</a:t>
+            </a:r>
+            <a:r>
+              <a:rPr lang="fr-FR" dirty="0"/>
+              <a:t>) -&gt; chaine</a:t>
+            </a:r>
+          </a:p>
+          <a:p>
+            <a:r>
+              <a:rPr lang="fr-FR" dirty="0" err="1"/>
+              <a:t>Decodage</a:t>
+            </a:r>
             <a:endParaRPr lang="fr-FR" dirty="0"/>
           </a:p>
           <a:p>
             <a:pPr lvl="1"/>
             <a:r>
-              <a:rPr lang="fr-FR" dirty="0" smtClean="0"/>
-              <a:t>dumps(</a:t>
-            </a:r>
-            <a:r>
-              <a:rPr lang="fr-FR" dirty="0" err="1" smtClean="0"/>
-              <a:t>obj</a:t>
-            </a:r>
-            <a:r>
-              <a:rPr lang="fr-FR" dirty="0"/>
-              <a:t>) -&gt; chaine</a:t>
-            </a:r>
-          </a:p>
-          <a:p>
-            <a:r>
-              <a:rPr lang="fr-FR" dirty="0" err="1" smtClean="0"/>
-              <a:t>Decodage</a:t>
-            </a:r>
-            <a:endParaRPr lang="fr-FR" dirty="0"/>
-          </a:p>
-          <a:p>
-            <a:pPr lvl="1"/>
-            <a:r>
-              <a:rPr lang="fr-FR" dirty="0" err="1" smtClean="0"/>
+              <a:rPr lang="fr-FR" dirty="0" err="1"/>
               <a:t>loads</a:t>
             </a:r>
             <a:r>
-              <a:rPr lang="fr-FR" dirty="0" smtClean="0"/>
+              <a:rPr lang="fr-FR" dirty="0"/>
               <a:t>(</a:t>
             </a:r>
             <a:r>
-              <a:rPr lang="fr-FR" dirty="0" err="1" smtClean="0"/>
+              <a:rPr lang="fr-FR" dirty="0" err="1"/>
               <a:t>str</a:t>
             </a:r>
             <a:r>
               <a:rPr lang="fr-FR" dirty="0"/>
-              <a:t>) -&gt; </a:t>
-            </a:r>
-            <a:r>
-              <a:rPr lang="fr-FR" dirty="0" smtClean="0"/>
-              <a:t>objet</a:t>
-            </a:r>
-            <a:endParaRPr lang="fr-FR" dirty="0"/>
+              <a:t>) -&gt; objet</a:t>
+            </a:r>
           </a:p>
         </p:txBody>
       </p:sp>
@@ -6896,311 +6638,6 @@
     <p:extLst>
       <p:ext uri="{BB962C8B-B14F-4D97-AF65-F5344CB8AC3E}">
         <p14:creationId xmlns:p14="http://schemas.microsoft.com/office/powerpoint/2010/main" val="922154955"/>
-      </p:ext>
-    </p:extLst>
-  </p:cSld>
-  <p:clrMapOvr>
-    <a:masterClrMapping/>
-  </p:clrMapOvr>
-  <p:timing>
-    <p:tnLst>
-      <p:par>
-        <p:cTn id="1" dur="indefinite" restart="never" nodeType="tmRoot"/>
-      </p:par>
-    </p:tnLst>
-  </p:timing>
-</p:sld>
-</file>
-
-<file path=ppt/slides/slide26.xml><?xml version="1.0" encoding="utf-8"?>
-<p:sld xmlns:a="http://schemas.openxmlformats.org/drawingml/2006/main" xmlns:r="http://schemas.openxmlformats.org/officeDocument/2006/relationships" xmlns:p="http://schemas.openxmlformats.org/presentationml/2006/main">
-  <p:cSld>
-    <p:spTree>
-      <p:nvGrpSpPr>
-        <p:cNvPr id="1" name=""/>
-        <p:cNvGrpSpPr/>
-        <p:nvPr/>
-      </p:nvGrpSpPr>
-      <p:grpSpPr>
-        <a:xfrm>
-          <a:off x="0" y="0"/>
-          <a:ext cx="0" cy="0"/>
-          <a:chOff x="0" y="0"/>
-          <a:chExt cx="0" cy="0"/>
-        </a:xfrm>
-      </p:grpSpPr>
-      <p:sp>
-        <p:nvSpPr>
-          <p:cNvPr id="2" name="Titre 1"/>
-          <p:cNvSpPr>
-            <a:spLocks noGrp="1"/>
-          </p:cNvSpPr>
-          <p:nvPr>
-            <p:ph type="title"/>
-          </p:nvPr>
-        </p:nvSpPr>
-        <p:spPr/>
-        <p:txBody>
-          <a:bodyPr/>
-          <a:lstStyle/>
-          <a:p>
-            <a:r>
-              <a:rPr lang="fr-FR" dirty="0" smtClean="0"/>
-              <a:t>JSON </a:t>
-            </a:r>
-            <a:r>
-              <a:rPr lang="fr-FR" dirty="0" err="1" smtClean="0"/>
-              <a:t>Pickle</a:t>
-            </a:r>
-            <a:endParaRPr lang="fr-FR" dirty="0"/>
-          </a:p>
-        </p:txBody>
-      </p:sp>
-      <p:sp>
-        <p:nvSpPr>
-          <p:cNvPr id="3" name="Espace réservé du contenu 2"/>
-          <p:cNvSpPr>
-            <a:spLocks noGrp="1"/>
-          </p:cNvSpPr>
-          <p:nvPr>
-            <p:ph idx="1"/>
-          </p:nvPr>
-        </p:nvSpPr>
-        <p:spPr/>
-        <p:txBody>
-          <a:bodyPr/>
-          <a:lstStyle/>
-          <a:p>
-            <a:r>
-              <a:rPr lang="fr-FR" dirty="0" smtClean="0"/>
-              <a:t>Module PIP </a:t>
-            </a:r>
-            <a:r>
-              <a:rPr lang="fr-FR" dirty="0" err="1" smtClean="0"/>
-              <a:t>jsonpickle</a:t>
-            </a:r>
-            <a:endParaRPr lang="fr-FR" dirty="0" smtClean="0"/>
-          </a:p>
-          <a:p>
-            <a:r>
-              <a:rPr lang="fr-FR" dirty="0" err="1" smtClean="0"/>
-              <a:t>Pickle</a:t>
-            </a:r>
-            <a:r>
-              <a:rPr lang="fr-FR" dirty="0" smtClean="0"/>
-              <a:t> au format JSON n’import quelle classe</a:t>
-            </a:r>
-          </a:p>
-          <a:p>
-            <a:r>
-              <a:rPr lang="fr-FR" dirty="0" smtClean="0"/>
-              <a:t>Encode</a:t>
-            </a:r>
-          </a:p>
-          <a:p>
-            <a:pPr lvl="1"/>
-            <a:r>
-              <a:rPr lang="fr-FR" dirty="0" smtClean="0"/>
-              <a:t>Converti un objet x en string </a:t>
-            </a:r>
-            <a:r>
-              <a:rPr lang="fr-FR" dirty="0" err="1" smtClean="0"/>
-              <a:t>json</a:t>
-            </a:r>
-            <a:endParaRPr lang="fr-FR" dirty="0" smtClean="0"/>
-          </a:p>
-          <a:p>
-            <a:pPr lvl="1"/>
-            <a:r>
-              <a:rPr lang="fr-FR" dirty="0" err="1" smtClean="0"/>
-              <a:t>json_string</a:t>
-            </a:r>
-            <a:r>
-              <a:rPr lang="fr-FR" dirty="0" smtClean="0"/>
-              <a:t> </a:t>
-            </a:r>
-            <a:r>
-              <a:rPr lang="fr-FR" dirty="0"/>
-              <a:t>= </a:t>
-            </a:r>
-            <a:r>
-              <a:rPr lang="fr-FR" dirty="0" err="1" smtClean="0"/>
-              <a:t>jsonpickle.encode</a:t>
-            </a:r>
-            <a:r>
-              <a:rPr lang="fr-FR" dirty="0" smtClean="0"/>
-              <a:t>(x)</a:t>
-            </a:r>
-          </a:p>
-          <a:p>
-            <a:r>
-              <a:rPr lang="fr-FR" dirty="0" err="1" smtClean="0"/>
-              <a:t>Decode</a:t>
-            </a:r>
-            <a:endParaRPr lang="fr-FR" dirty="0" smtClean="0"/>
-          </a:p>
-          <a:p>
-            <a:pPr lvl="1"/>
-            <a:r>
-              <a:rPr lang="fr-FR" dirty="0" smtClean="0"/>
-              <a:t>Converti une chaine JSON en objet</a:t>
-            </a:r>
-          </a:p>
-          <a:p>
-            <a:pPr lvl="1"/>
-            <a:r>
-              <a:rPr lang="fr-FR" dirty="0"/>
-              <a:t>x</a:t>
-            </a:r>
-            <a:r>
-              <a:rPr lang="fr-FR" dirty="0" smtClean="0"/>
-              <a:t> = </a:t>
-            </a:r>
-            <a:r>
-              <a:rPr lang="fr-FR" dirty="0" err="1" smtClean="0"/>
-              <a:t>jsonpickle.decode</a:t>
-            </a:r>
-            <a:r>
-              <a:rPr lang="fr-FR" dirty="0" smtClean="0"/>
-              <a:t>(</a:t>
-            </a:r>
-            <a:r>
-              <a:rPr lang="fr-FR" dirty="0" err="1" smtClean="0"/>
-              <a:t>json_string</a:t>
-            </a:r>
-            <a:r>
-              <a:rPr lang="fr-FR" dirty="0" smtClean="0"/>
-              <a:t>)</a:t>
-            </a:r>
-          </a:p>
-          <a:p>
-            <a:endParaRPr lang="fr-FR" dirty="0"/>
-          </a:p>
-        </p:txBody>
-      </p:sp>
-    </p:spTree>
-    <p:extLst>
-      <p:ext uri="{BB962C8B-B14F-4D97-AF65-F5344CB8AC3E}">
-        <p14:creationId xmlns:p14="http://schemas.microsoft.com/office/powerpoint/2010/main" val="3340955537"/>
-      </p:ext>
-    </p:extLst>
-  </p:cSld>
-  <p:clrMapOvr>
-    <a:masterClrMapping/>
-  </p:clrMapOvr>
-  <p:timing>
-    <p:tnLst>
-      <p:par>
-        <p:cTn id="1" dur="indefinite" restart="never" nodeType="tmRoot"/>
-      </p:par>
-    </p:tnLst>
-  </p:timing>
-</p:sld>
-</file>
-
-<file path=ppt/slides/slide27.xml><?xml version="1.0" encoding="utf-8"?>
-<p:sld xmlns:a="http://schemas.openxmlformats.org/drawingml/2006/main" xmlns:r="http://schemas.openxmlformats.org/officeDocument/2006/relationships" xmlns:p="http://schemas.openxmlformats.org/presentationml/2006/main">
-  <p:cSld>
-    <p:spTree>
-      <p:nvGrpSpPr>
-        <p:cNvPr id="1" name=""/>
-        <p:cNvGrpSpPr/>
-        <p:nvPr/>
-      </p:nvGrpSpPr>
-      <p:grpSpPr>
-        <a:xfrm>
-          <a:off x="0" y="0"/>
-          <a:ext cx="0" cy="0"/>
-          <a:chOff x="0" y="0"/>
-          <a:chExt cx="0" cy="0"/>
-        </a:xfrm>
-      </p:grpSpPr>
-      <p:sp>
-        <p:nvSpPr>
-          <p:cNvPr id="2" name="Titre 1"/>
-          <p:cNvSpPr>
-            <a:spLocks noGrp="1"/>
-          </p:cNvSpPr>
-          <p:nvPr>
-            <p:ph type="title"/>
-          </p:nvPr>
-        </p:nvSpPr>
-        <p:spPr/>
-        <p:txBody>
-          <a:bodyPr/>
-          <a:lstStyle/>
-          <a:p>
-            <a:r>
-              <a:rPr lang="fr-FR" dirty="0" smtClean="0"/>
-              <a:t>HTTP</a:t>
-            </a:r>
-            <a:endParaRPr lang="fr-FR" dirty="0"/>
-          </a:p>
-        </p:txBody>
-      </p:sp>
-      <p:sp>
-        <p:nvSpPr>
-          <p:cNvPr id="3" name="Espace réservé du contenu 2"/>
-          <p:cNvSpPr>
-            <a:spLocks noGrp="1"/>
-          </p:cNvSpPr>
-          <p:nvPr>
-            <p:ph idx="1"/>
-          </p:nvPr>
-        </p:nvSpPr>
-        <p:spPr/>
-        <p:txBody>
-          <a:bodyPr/>
-          <a:lstStyle/>
-          <a:p>
-            <a:r>
-              <a:rPr lang="fr-FR" dirty="0" err="1" smtClean="0"/>
-              <a:t>HTTPLib</a:t>
-            </a:r>
-            <a:r>
-              <a:rPr lang="fr-FR" dirty="0" smtClean="0"/>
-              <a:t> permet d’effectuer des requêtes HTTP</a:t>
-            </a:r>
-          </a:p>
-          <a:p>
-            <a:r>
-              <a:rPr lang="fr-FR" dirty="0" smtClean="0"/>
-              <a:t>Très utile pour « aspirer » des pages</a:t>
-            </a:r>
-          </a:p>
-          <a:p>
-            <a:endParaRPr lang="fr-FR" dirty="0"/>
-          </a:p>
-        </p:txBody>
-      </p:sp>
-      <p:pic>
-        <p:nvPicPr>
-          <p:cNvPr id="4" name="Image 3"/>
-          <p:cNvPicPr>
-            <a:picLocks noChangeAspect="1"/>
-          </p:cNvPicPr>
-          <p:nvPr/>
-        </p:nvPicPr>
-        <p:blipFill>
-          <a:blip r:embed="rId2"/>
-          <a:stretch>
-            <a:fillRect/>
-          </a:stretch>
-        </p:blipFill>
-        <p:spPr>
-          <a:xfrm>
-            <a:off x="1547664" y="2780928"/>
-            <a:ext cx="6340217" cy="1440160"/>
-          </a:xfrm>
-          <a:prstGeom prst="rect">
-            <a:avLst/>
-          </a:prstGeom>
-        </p:spPr>
-      </p:pic>
-    </p:spTree>
-    <p:extLst>
-      <p:ext uri="{BB962C8B-B14F-4D97-AF65-F5344CB8AC3E}">
-        <p14:creationId xmlns:p14="http://schemas.microsoft.com/office/powerpoint/2010/main" val="1982723235"/>
       </p:ext>
     </p:extLst>
   </p:cSld>
@@ -7243,7 +6680,7 @@
           <a:lstStyle/>
           <a:p>
             <a:r>
-              <a:rPr lang="fr-FR" dirty="0" err="1" smtClean="0"/>
+              <a:rPr lang="fr-FR" dirty="0" err="1"/>
               <a:t>Datetime</a:t>
             </a:r>
             <a:endParaRPr lang="fr-FR" dirty="0"/>
@@ -7284,13 +6721,6 @@
   <p:clrMapOvr>
     <a:masterClrMapping/>
   </p:clrMapOvr>
-  <p:timing>
-    <p:tnLst>
-      <p:par>
-        <p:cTn id="1" dur="indefinite" restart="never" nodeType="tmRoot"/>
-      </p:par>
-    </p:tnLst>
-  </p:timing>
 </p:sld>
 </file>
 
@@ -7327,10 +6757,9 @@
           <a:lstStyle/>
           <a:p>
             <a:r>
-              <a:rPr lang="fr-FR" dirty="0" smtClean="0"/>
+              <a:rPr lang="fr-FR" dirty="0"/>
               <a:t>Système</a:t>
             </a:r>
-            <a:endParaRPr lang="fr-FR" dirty="0"/>
           </a:p>
         </p:txBody>
       </p:sp>
@@ -7350,18 +6779,18 @@
           <a:lstStyle/>
           <a:p>
             <a:r>
-              <a:rPr lang="fr-FR" dirty="0" smtClean="0"/>
+              <a:rPr lang="fr-FR" dirty="0"/>
               <a:t>Module </a:t>
             </a:r>
             <a:r>
-              <a:rPr lang="fr-FR" dirty="0" err="1" smtClean="0"/>
+              <a:rPr lang="fr-FR" dirty="0" err="1"/>
               <a:t>sys</a:t>
             </a:r>
-            <a:endParaRPr lang="fr-FR" dirty="0" smtClean="0"/>
-          </a:p>
-          <a:p>
-            <a:r>
-              <a:rPr lang="fr-FR" dirty="0" smtClean="0"/>
+            <a:endParaRPr lang="fr-FR" dirty="0"/>
+          </a:p>
+          <a:p>
+            <a:r>
+              <a:rPr lang="fr-FR" dirty="0"/>
               <a:t>Accès à la CLI (Command Line Interface)</a:t>
             </a:r>
           </a:p>
@@ -7369,13 +6798,13 @@
             <a:endParaRPr lang="fr-FR" dirty="0"/>
           </a:p>
           <a:p>
-            <a:endParaRPr lang="fr-FR" dirty="0" smtClean="0"/>
-          </a:p>
-          <a:p>
             <a:endParaRPr lang="fr-FR" dirty="0"/>
           </a:p>
           <a:p>
-            <a:endParaRPr lang="fr-FR" dirty="0" smtClean="0"/>
+            <a:endParaRPr lang="fr-FR" dirty="0"/>
+          </a:p>
+          <a:p>
+            <a:endParaRPr lang="fr-FR" dirty="0"/>
           </a:p>
           <a:p>
             <a:endParaRPr lang="fr-FR" dirty="0"/>
@@ -7386,18 +6815,18 @@
               <a:t>s</a:t>
             </a:r>
             <a:r>
-              <a:rPr lang="fr-FR" smtClean="0"/>
+              <a:rPr lang="fr-FR"/>
               <a:t>ys.exit</a:t>
             </a:r>
             <a:r>
-              <a:rPr lang="fr-FR" dirty="0" smtClean="0"/>
+              <a:rPr lang="fr-FR" dirty="0"/>
               <a:t>(0)</a:t>
             </a:r>
           </a:p>
           <a:p>
             <a:pPr lvl="1"/>
             <a:r>
-              <a:rPr lang="fr-FR" dirty="0" smtClean="0"/>
+              <a:rPr lang="fr-FR" dirty="0"/>
               <a:t>Sortie du programme avec code d’erreur 0</a:t>
             </a:r>
           </a:p>
@@ -7464,13 +6893,6 @@
   <p:clrMapOvr>
     <a:masterClrMapping/>
   </p:clrMapOvr>
-  <p:timing>
-    <p:tnLst>
-      <p:par>
-        <p:cTn id="1" dur="indefinite" restart="never" nodeType="tmRoot"/>
-      </p:par>
-    </p:tnLst>
-  </p:timing>
 </p:sld>
 </file>
 
@@ -7507,10 +6929,9 @@
           <a:lstStyle/>
           <a:p>
             <a:r>
-              <a:rPr lang="fr-FR" dirty="0" smtClean="0"/>
+              <a:rPr lang="fr-FR" dirty="0"/>
               <a:t>Accéder aux arguments de la CLI</a:t>
             </a:r>
-            <a:endParaRPr lang="fr-FR" dirty="0"/>
           </a:p>
         </p:txBody>
       </p:sp>
@@ -7530,10 +6951,10 @@
           <a:lstStyle/>
           <a:p>
             <a:r>
-              <a:rPr lang="fr-FR" dirty="0" err="1" smtClean="0"/>
+              <a:rPr lang="fr-FR" dirty="0" err="1"/>
               <a:t>Sys.argv</a:t>
             </a:r>
-            <a:endParaRPr lang="fr-FR" dirty="0" smtClean="0"/>
+            <a:endParaRPr lang="fr-FR" dirty="0"/>
           </a:p>
           <a:p>
             <a:endParaRPr lang="fr-FR" dirty="0"/>
@@ -7598,13 +7019,6 @@
   <p:clrMapOvr>
     <a:masterClrMapping/>
   </p:clrMapOvr>
-  <p:timing>
-    <p:tnLst>
-      <p:par>
-        <p:cTn id="1" dur="indefinite" restart="never" nodeType="tmRoot"/>
-      </p:par>
-    </p:tnLst>
-  </p:timing>
 </p:sld>
 </file>
 
@@ -7641,10 +7055,9 @@
           <a:lstStyle/>
           <a:p>
             <a:r>
-              <a:rPr lang="fr-FR" dirty="0" smtClean="0"/>
+              <a:rPr lang="fr-FR" dirty="0"/>
               <a:t>Arguments complexes</a:t>
             </a:r>
-            <a:endParaRPr lang="fr-FR" dirty="0"/>
           </a:p>
         </p:txBody>
       </p:sp>
@@ -7664,22 +7077,22 @@
           <a:lstStyle/>
           <a:p>
             <a:r>
-              <a:rPr lang="fr-FR" dirty="0" smtClean="0"/>
+              <a:rPr lang="fr-FR" dirty="0"/>
               <a:t>Lorsque les arguments sont de type – et -- il existe un module pour </a:t>
             </a:r>
             <a:r>
-              <a:rPr lang="fr-FR" dirty="0" err="1" smtClean="0"/>
+              <a:rPr lang="fr-FR" dirty="0" err="1"/>
               <a:t>parser</a:t>
             </a:r>
             <a:r>
-              <a:rPr lang="fr-FR" dirty="0" smtClean="0"/>
+              <a:rPr lang="fr-FR" dirty="0"/>
               <a:t> facilement ces argument</a:t>
             </a:r>
           </a:p>
           <a:p>
             <a:pPr lvl="1"/>
             <a:r>
-              <a:rPr lang="fr-FR" dirty="0" smtClean="0"/>
+              <a:rPr lang="fr-FR" dirty="0"/>
               <a:t>Par exemple –h et –help</a:t>
             </a:r>
           </a:p>
@@ -7746,13 +7159,6 @@
   <p:clrMapOvr>
     <a:masterClrMapping/>
   </p:clrMapOvr>
-  <p:timing>
-    <p:tnLst>
-      <p:par>
-        <p:cTn id="1" dur="indefinite" restart="never" nodeType="tmRoot"/>
-      </p:par>
-    </p:tnLst>
-  </p:timing>
 </p:sld>
 </file>
 
@@ -7789,10 +7195,9 @@
           <a:lstStyle/>
           <a:p>
             <a:r>
-              <a:rPr lang="fr-FR" dirty="0" smtClean="0"/>
+              <a:rPr lang="fr-FR" dirty="0"/>
               <a:t>OS</a:t>
             </a:r>
-            <a:endParaRPr lang="fr-FR" dirty="0"/>
           </a:p>
         </p:txBody>
       </p:sp>
@@ -7812,34 +7217,34 @@
           <a:lstStyle/>
           <a:p>
             <a:r>
-              <a:rPr lang="fr-FR" dirty="0" smtClean="0"/>
+              <a:rPr lang="fr-FR" dirty="0"/>
               <a:t>Module os</a:t>
             </a:r>
           </a:p>
           <a:p>
             <a:pPr lvl="1"/>
             <a:r>
-              <a:rPr lang="fr-FR" dirty="0" err="1" smtClean="0"/>
+              <a:rPr lang="fr-FR" dirty="0" err="1"/>
               <a:t>Getcwd</a:t>
             </a:r>
             <a:r>
-              <a:rPr lang="fr-FR" dirty="0" smtClean="0"/>
+              <a:rPr lang="fr-FR" dirty="0"/>
               <a:t>() (</a:t>
             </a:r>
             <a:r>
-              <a:rPr lang="fr-FR" dirty="0" err="1" smtClean="0"/>
+              <a:rPr lang="fr-FR" dirty="0" err="1"/>
               <a:t>Get</a:t>
             </a:r>
             <a:r>
-              <a:rPr lang="fr-FR" dirty="0" smtClean="0"/>
+              <a:rPr lang="fr-FR" dirty="0"/>
               <a:t> </a:t>
             </a:r>
             <a:r>
-              <a:rPr lang="fr-FR" dirty="0" err="1" smtClean="0"/>
+              <a:rPr lang="fr-FR" dirty="0" err="1"/>
               <a:t>Working</a:t>
             </a:r>
             <a:r>
-              <a:rPr lang="fr-FR" dirty="0" smtClean="0"/>
+              <a:rPr lang="fr-FR" dirty="0"/>
               <a:t> Directory)</a:t>
             </a:r>
           </a:p>
@@ -7847,42 +7252,38 @@
             <a:pPr lvl="1"/>
             <a:r>
               <a:rPr lang="fr-FR" dirty="0" err="1"/>
-              <a:t>o</a:t>
-            </a:r>
-            <a:r>
-              <a:rPr lang="fr-FR" dirty="0" err="1" smtClean="0"/>
-              <a:t>s.getcwd</a:t>
-            </a:r>
-            <a:r>
-              <a:rPr lang="fr-FR" dirty="0" smtClean="0"/>
+              <a:t>os.getcwd</a:t>
+            </a:r>
+            <a:r>
+              <a:rPr lang="fr-FR" dirty="0"/>
               <a:t>()</a:t>
             </a:r>
           </a:p>
           <a:p>
             <a:r>
-              <a:rPr lang="fr-FR" dirty="0" err="1" smtClean="0"/>
+              <a:rPr lang="fr-FR" dirty="0" err="1"/>
               <a:t>Accés</a:t>
             </a:r>
             <a:r>
-              <a:rPr lang="fr-FR" dirty="0" smtClean="0"/>
+              <a:rPr lang="fr-FR" dirty="0"/>
               <a:t> à une commande système</a:t>
             </a:r>
           </a:p>
           <a:p>
             <a:pPr lvl="1"/>
             <a:r>
-              <a:rPr lang="fr-FR" dirty="0" err="1" smtClean="0"/>
+              <a:rPr lang="fr-FR" dirty="0" err="1"/>
               <a:t>os.system</a:t>
             </a:r>
             <a:r>
-              <a:rPr lang="fr-FR" dirty="0" smtClean="0"/>
+              <a:rPr lang="fr-FR" dirty="0"/>
               <a:t>()</a:t>
             </a:r>
           </a:p>
           <a:p>
             <a:pPr lvl="1"/>
             <a:r>
-              <a:rPr lang="fr-FR" dirty="0" smtClean="0"/>
+              <a:rPr lang="fr-FR" dirty="0"/>
               <a:t>Renvoie un code d’erreur</a:t>
             </a:r>
           </a:p>
@@ -7893,18 +7294,18 @@
           <a:p>
             <a:pPr lvl="1"/>
             <a:r>
-              <a:rPr lang="fr-FR" dirty="0" err="1" smtClean="0"/>
+              <a:rPr lang="fr-FR" dirty="0" err="1"/>
               <a:t>os.popen</a:t>
             </a:r>
             <a:r>
-              <a:rPr lang="fr-FR" dirty="0" smtClean="0"/>
+              <a:rPr lang="fr-FR" dirty="0"/>
               <a:t>()</a:t>
             </a:r>
           </a:p>
           <a:p>
             <a:pPr lvl="1"/>
             <a:r>
-              <a:rPr lang="fr-FR" dirty="0" smtClean="0"/>
+              <a:rPr lang="fr-FR" dirty="0"/>
               <a:t>Renvoie un pipe à lire</a:t>
             </a:r>
           </a:p>
@@ -7972,13 +7373,6 @@
   <p:clrMapOvr>
     <a:masterClrMapping/>
   </p:clrMapOvr>
-  <p:timing>
-    <p:tnLst>
-      <p:par>
-        <p:cTn id="1" dur="indefinite" restart="never" nodeType="tmRoot"/>
-      </p:par>
-    </p:tnLst>
-  </p:timing>
 </p:sld>
 </file>
 
@@ -8015,10 +7409,9 @@
           <a:lstStyle/>
           <a:p>
             <a:r>
-              <a:rPr lang="fr-FR" dirty="0" smtClean="0"/>
+              <a:rPr lang="fr-FR" dirty="0"/>
               <a:t>Fichier</a:t>
             </a:r>
-            <a:endParaRPr lang="fr-FR" dirty="0"/>
           </a:p>
         </p:txBody>
       </p:sp>
@@ -8038,34 +7431,34 @@
           <a:lstStyle/>
           <a:p>
             <a:r>
-              <a:rPr lang="fr-FR" dirty="0" smtClean="0"/>
+              <a:rPr lang="fr-FR" dirty="0"/>
               <a:t>Python est très utilisé pour la gestion des fichiers</a:t>
             </a:r>
           </a:p>
           <a:p>
             <a:pPr lvl="1"/>
             <a:r>
-              <a:rPr lang="fr-FR" dirty="0" smtClean="0"/>
+              <a:rPr lang="fr-FR" dirty="0"/>
               <a:t>Héritier de Perl</a:t>
             </a:r>
           </a:p>
           <a:p>
             <a:pPr lvl="1"/>
             <a:r>
-              <a:rPr lang="fr-FR" dirty="0" smtClean="0"/>
+              <a:rPr lang="fr-FR" dirty="0"/>
               <a:t>Scripting</a:t>
             </a:r>
           </a:p>
           <a:p>
             <a:pPr lvl="1"/>
             <a:r>
-              <a:rPr lang="fr-FR" dirty="0" smtClean="0"/>
+              <a:rPr lang="fr-FR" dirty="0"/>
               <a:t>Facile</a:t>
             </a:r>
           </a:p>
           <a:p>
             <a:r>
-              <a:rPr lang="fr-FR" dirty="0" smtClean="0"/>
+              <a:rPr lang="fr-FR" dirty="0"/>
               <a:t>Module os</a:t>
             </a:r>
           </a:p>
@@ -8073,17 +7466,17 @@
             <a:endParaRPr lang="fr-FR" dirty="0"/>
           </a:p>
           <a:p>
-            <a:endParaRPr lang="fr-FR" dirty="0" smtClean="0"/>
-          </a:p>
-          <a:p>
-            <a:r>
-              <a:rPr lang="fr-FR" dirty="0" smtClean="0"/>
-              <a:t>Préférer les chemin relatifs</a:t>
-            </a:r>
-          </a:p>
-          <a:p>
-            <a:pPr lvl="1"/>
-            <a:endParaRPr lang="fr-FR" dirty="0" smtClean="0"/>
+            <a:endParaRPr lang="fr-FR" dirty="0"/>
+          </a:p>
+          <a:p>
+            <a:r>
+              <a:rPr lang="fr-FR" dirty="0"/>
+              <a:t>Préférer les chemins relatifs</a:t>
+            </a:r>
+          </a:p>
+          <a:p>
+            <a:pPr lvl="1"/>
+            <a:endParaRPr lang="fr-FR" dirty="0"/>
           </a:p>
           <a:p>
             <a:pPr lvl="1"/>
@@ -8125,13 +7518,6 @@
   <p:clrMapOvr>
     <a:masterClrMapping/>
   </p:clrMapOvr>
-  <p:timing>
-    <p:tnLst>
-      <p:par>
-        <p:cTn id="1" dur="indefinite" restart="never" nodeType="tmRoot"/>
-      </p:par>
-    </p:tnLst>
-  </p:timing>
 </p:sld>
 </file>
 
@@ -8168,10 +7554,9 @@
           <a:lstStyle/>
           <a:p>
             <a:r>
-              <a:rPr lang="fr-FR" dirty="0" smtClean="0"/>
+              <a:rPr lang="fr-FR" dirty="0"/>
               <a:t>Ouverture d’un fichier</a:t>
             </a:r>
-            <a:endParaRPr lang="fr-FR" dirty="0"/>
           </a:p>
         </p:txBody>
       </p:sp>
@@ -8191,43 +7576,39 @@
           <a:lstStyle/>
           <a:p>
             <a:r>
-              <a:rPr lang="fr-FR" dirty="0" smtClean="0"/>
+              <a:rPr lang="fr-FR" dirty="0"/>
               <a:t>Open permet d’ouvrir un fichier</a:t>
             </a:r>
           </a:p>
           <a:p>
             <a:r>
               <a:rPr lang="en-US" altLang="fr-FR" dirty="0"/>
-              <a:t>f = </a:t>
-            </a:r>
-            <a:r>
-              <a:rPr lang="en-US" altLang="fr-FR" dirty="0" smtClean="0"/>
-              <a:t>open(filename)</a:t>
-            </a:r>
-            <a:endParaRPr lang="en-US" dirty="0" smtClean="0"/>
-          </a:p>
-          <a:p>
-            <a:r>
-              <a:rPr lang="en-US" dirty="0" err="1" smtClean="0"/>
+              <a:t>f = open(filename)</a:t>
+            </a:r>
+            <a:endParaRPr lang="en-US" dirty="0"/>
+          </a:p>
+          <a:p>
+            <a:r>
+              <a:rPr lang="en-US" dirty="0" err="1"/>
               <a:t>Ouverture</a:t>
             </a:r>
             <a:r>
-              <a:rPr lang="en-US" dirty="0" smtClean="0"/>
+              <a:rPr lang="en-US" dirty="0"/>
               <a:t> un </a:t>
             </a:r>
             <a:r>
-              <a:rPr lang="en-US" dirty="0" err="1" smtClean="0"/>
+              <a:rPr lang="en-US" dirty="0" err="1"/>
               <a:t>peu</a:t>
             </a:r>
             <a:r>
-              <a:rPr lang="en-US" dirty="0" smtClean="0"/>
+              <a:rPr lang="en-US" dirty="0"/>
               <a:t> plus </a:t>
             </a:r>
             <a:r>
-              <a:rPr lang="en-US" dirty="0" err="1" smtClean="0"/>
+              <a:rPr lang="en-US" dirty="0" err="1"/>
               <a:t>complexe</a:t>
             </a:r>
-            <a:endParaRPr lang="en-US" dirty="0" smtClean="0"/>
+            <a:endParaRPr lang="en-US" dirty="0"/>
           </a:p>
           <a:p>
             <a:pPr lvl="1"/>
@@ -8240,20 +7621,20 @@
               <a:t>buffersize</a:t>
             </a:r>
             <a:r>
-              <a:rPr lang="en-US" dirty="0" smtClean="0"/>
+              <a:rPr lang="en-US" dirty="0"/>
               <a:t>])</a:t>
             </a:r>
           </a:p>
           <a:p>
             <a:r>
-              <a:rPr lang="en-US" dirty="0" smtClean="0"/>
+              <a:rPr lang="en-US" dirty="0"/>
               <a:t>Mode</a:t>
             </a:r>
           </a:p>
           <a:p>
             <a:pPr lvl="1"/>
             <a:r>
-              <a:rPr lang="en-US" dirty="0" smtClean="0"/>
+              <a:rPr lang="en-US" dirty="0"/>
               <a:t>r : read</a:t>
             </a:r>
           </a:p>
@@ -8261,44 +7642,32 @@
             <a:pPr lvl="1"/>
             <a:r>
               <a:rPr lang="en-US" dirty="0"/>
-              <a:t>w</a:t>
-            </a:r>
-            <a:r>
-              <a:rPr lang="en-US" dirty="0" smtClean="0"/>
-              <a:t> : write</a:t>
+              <a:t>w : write</a:t>
             </a:r>
           </a:p>
           <a:p>
             <a:pPr lvl="1"/>
             <a:r>
               <a:rPr lang="en-US" dirty="0"/>
-              <a:t>a</a:t>
-            </a:r>
-            <a:r>
-              <a:rPr lang="en-US" dirty="0" smtClean="0"/>
-              <a:t> : append</a:t>
-            </a:r>
-          </a:p>
-          <a:p>
-            <a:pPr lvl="1"/>
-            <a:endParaRPr lang="en-US" dirty="0" smtClean="0"/>
-          </a:p>
-          <a:p>
-            <a:r>
-              <a:rPr lang="en-US" dirty="0" err="1" smtClean="0"/>
+              <a:t>a : append</a:t>
+            </a:r>
+          </a:p>
+          <a:p>
+            <a:pPr lvl="1"/>
+            <a:endParaRPr lang="en-US" dirty="0"/>
+          </a:p>
+          <a:p>
+            <a:r>
+              <a:rPr lang="en-US" dirty="0" err="1"/>
               <a:t>Buffersize</a:t>
             </a:r>
-            <a:endParaRPr lang="en-US" dirty="0" smtClean="0"/>
-          </a:p>
-          <a:p>
-            <a:pPr lvl="1"/>
-            <a:r>
-              <a:rPr lang="en-US" dirty="0" smtClean="0"/>
-              <a:t>0=unbuffered</a:t>
-            </a:r>
+            <a:endParaRPr lang="en-US" dirty="0"/>
+          </a:p>
+          <a:p>
+            <a:pPr lvl="1"/>
             <a:r>
               <a:rPr lang="en-US" dirty="0"/>
-              <a:t>; 1=line-buffered; buffered</a:t>
+              <a:t>0=unbuffered; 1=line-buffered; buffered</a:t>
             </a:r>
           </a:p>
           <a:p>
@@ -8340,13 +7709,6 @@
   <p:clrMapOvr>
     <a:masterClrMapping/>
   </p:clrMapOvr>
-  <p:timing>
-    <p:tnLst>
-      <p:par>
-        <p:cTn id="1" dur="indefinite" restart="never" nodeType="tmRoot"/>
-      </p:par>
-    </p:tnLst>
-  </p:timing>
 </p:sld>
 </file>
 

--- a/ppt/Python11-Sys.pptx
+++ b/ppt/Python11-Sys.pptx
@@ -4529,7 +4529,7 @@
             <a:pPr lvl="1"/>
             <a:r>
               <a:rPr lang="fr-FR" dirty="0"/>
-              <a:t>Permet de clôturer automatiquement une fichier</a:t>
+              <a:t>Permet de clôturer automatiquement un fichier</a:t>
             </a:r>
           </a:p>
           <a:p>

--- a/ppt/Python11-Sys.pptx
+++ b/ppt/Python11-Sys.pptx
@@ -4529,7 +4529,7 @@
             <a:pPr lvl="1"/>
             <a:r>
               <a:rPr lang="fr-FR" dirty="0"/>
-              <a:t>Permet de clôturer automatiquement un fichier</a:t>
+              <a:t>Permet de clôturer automatiquement une fichier</a:t>
             </a:r>
           </a:p>
           <a:p>
@@ -5484,15 +5484,7 @@
           <a:p>
             <a:r>
               <a:rPr lang="fr-FR" dirty="0"/>
-              <a:t>Si vous avez un objet x, et un objet fichier f ouvert en écriture, la voie la plus simple de ``</a:t>
-            </a:r>
-            <a:r>
-              <a:rPr lang="fr-FR" dirty="0" err="1"/>
-              <a:t>pickler</a:t>
-            </a:r>
-            <a:r>
-              <a:rPr lang="fr-FR" dirty="0"/>
-              <a:t>'' l'objet prend seulement une ligne de code </a:t>
+              <a:t>Si vous avez un objet x, et un objet fichier f ouvert en écriture, la voie la plus simple de "pickler'' l'objet prend seulement une ligne de code </a:t>
             </a:r>
           </a:p>
           <a:p>
@@ -5509,7 +5501,7 @@
           <a:p>
             <a:r>
               <a:rPr lang="fr-FR" dirty="0"/>
-              <a:t>Pour ``</a:t>
+              <a:t>Pour "</a:t>
             </a:r>
             <a:r>
               <a:rPr lang="fr-FR" dirty="0" err="1"/>

--- a/ppt/Python11-Sys.pptx
+++ b/ppt/Python11-Sys.pptx
@@ -4529,7 +4529,15 @@
             <a:pPr lvl="1"/>
             <a:r>
               <a:rPr lang="fr-FR" dirty="0"/>
-              <a:t>Permet de clôturer automatiquement une fichier</a:t>
+              <a:t>Permet de clôturer </a:t>
+            </a:r>
+            <a:r>
+              <a:rPr lang="fr-FR"/>
+              <a:t>automatiquement un </a:t>
+            </a:r>
+            <a:r>
+              <a:rPr lang="fr-FR" dirty="0"/>
+              <a:t>fichier</a:t>
             </a:r>
           </a:p>
           <a:p>

--- a/ppt/Python11-Sys.pptx
+++ b/ppt/Python11-Sys.pptx
@@ -5,10 +5,10 @@
     <p:sldMasterId id="2147483653" r:id="rId1"/>
   </p:sldMasterIdLst>
   <p:notesMasterIdLst>
-    <p:notesMasterId r:id="rId27"/>
+    <p:notesMasterId r:id="rId23"/>
   </p:notesMasterIdLst>
   <p:handoutMasterIdLst>
-    <p:handoutMasterId r:id="rId28"/>
+    <p:handoutMasterId r:id="rId24"/>
   </p:handoutMasterIdLst>
   <p:sldIdLst>
     <p:sldId id="264" r:id="rId2"/>
@@ -30,12 +30,8 @@
     <p:sldId id="283" r:id="rId18"/>
     <p:sldId id="284" r:id="rId19"/>
     <p:sldId id="285" r:id="rId20"/>
-    <p:sldId id="293" r:id="rId21"/>
-    <p:sldId id="294" r:id="rId22"/>
-    <p:sldId id="295" r:id="rId23"/>
-    <p:sldId id="299" r:id="rId24"/>
-    <p:sldId id="296" r:id="rId25"/>
-    <p:sldId id="297" r:id="rId26"/>
+    <p:sldId id="296" r:id="rId21"/>
+    <p:sldId id="297" r:id="rId22"/>
   </p:sldIdLst>
   <p:sldSz cx="9144000" cy="6858000" type="screen4x3"/>
   <p:notesSz cx="6648450" cy="9782175"/>
@@ -5682,731 +5678,6 @@
           <a:p>
             <a:r>
               <a:rPr lang="fr-FR" dirty="0"/>
-              <a:t>XML</a:t>
-            </a:r>
-          </a:p>
-        </p:txBody>
-      </p:sp>
-      <p:sp>
-        <p:nvSpPr>
-          <p:cNvPr id="3" name="Espace réservé du contenu 2"/>
-          <p:cNvSpPr>
-            <a:spLocks noGrp="1"/>
-          </p:cNvSpPr>
-          <p:nvPr>
-            <p:ph idx="1"/>
-          </p:nvPr>
-        </p:nvSpPr>
-        <p:spPr/>
-        <p:txBody>
-          <a:bodyPr/>
-          <a:lstStyle/>
-          <a:p>
-            <a:r>
-              <a:rPr lang="fr-FR" dirty="0"/>
-              <a:t>DOM</a:t>
-            </a:r>
-          </a:p>
-          <a:p>
-            <a:pPr lvl="1"/>
-            <a:r>
-              <a:rPr lang="fr-FR" dirty="0"/>
-              <a:t>Document Object Model</a:t>
-            </a:r>
-          </a:p>
-          <a:p>
-            <a:pPr lvl="1"/>
-            <a:r>
-              <a:rPr lang="fr-FR" dirty="0"/>
-              <a:t>Permet de </a:t>
-            </a:r>
-            <a:r>
-              <a:rPr lang="fr-FR" dirty="0" err="1"/>
-              <a:t>parser</a:t>
-            </a:r>
-            <a:r>
-              <a:rPr lang="fr-FR" dirty="0"/>
-              <a:t> un document XML sous la forme d’un arbre d’objet</a:t>
-            </a:r>
-          </a:p>
-          <a:p>
-            <a:pPr lvl="1"/>
-            <a:r>
-              <a:rPr lang="fr-FR" dirty="0"/>
-              <a:t>Module Python utilise : </a:t>
-            </a:r>
-            <a:r>
-              <a:rPr lang="fr-FR" dirty="0" err="1"/>
-              <a:t>xml.dom.minidom</a:t>
-            </a:r>
-            <a:endParaRPr lang="fr-FR" dirty="0"/>
-          </a:p>
-          <a:p>
-            <a:r>
-              <a:rPr lang="fr-FR" dirty="0"/>
-              <a:t>Les types DOM</a:t>
-            </a:r>
-          </a:p>
-          <a:p>
-            <a:pPr lvl="1"/>
-            <a:r>
-              <a:rPr lang="fr-FR" dirty="0" err="1"/>
-              <a:t>Node</a:t>
-            </a:r>
-            <a:r>
-              <a:rPr lang="fr-FR" dirty="0"/>
-              <a:t> Interface de base des nœuds</a:t>
-            </a:r>
-          </a:p>
-          <a:p>
-            <a:pPr lvl="1"/>
-            <a:r>
-              <a:rPr lang="fr-FR" dirty="0" err="1"/>
-              <a:t>NodeList</a:t>
-            </a:r>
-            <a:r>
-              <a:rPr lang="fr-FR" dirty="0"/>
-              <a:t> </a:t>
-            </a:r>
-            <a:r>
-              <a:rPr lang="fr-FR" dirty="0" err="1"/>
-              <a:t>Sequence</a:t>
-            </a:r>
-            <a:r>
-              <a:rPr lang="fr-FR" dirty="0"/>
-              <a:t> de </a:t>
-            </a:r>
-            <a:r>
-              <a:rPr lang="fr-FR" dirty="0" err="1"/>
-              <a:t>noeuds</a:t>
-            </a:r>
-            <a:endParaRPr lang="fr-FR" dirty="0"/>
-          </a:p>
-          <a:p>
-            <a:pPr lvl="1"/>
-            <a:r>
-              <a:rPr lang="fr-FR" dirty="0"/>
-              <a:t>Document </a:t>
-            </a:r>
-            <a:r>
-              <a:rPr lang="fr-FR" dirty="0" err="1"/>
-              <a:t>Represente</a:t>
-            </a:r>
-            <a:r>
-              <a:rPr lang="fr-FR" dirty="0"/>
-              <a:t> un document complet</a:t>
-            </a:r>
-          </a:p>
-          <a:p>
-            <a:pPr lvl="1"/>
-            <a:r>
-              <a:rPr lang="fr-FR" dirty="0" err="1"/>
-              <a:t>Element</a:t>
-            </a:r>
-            <a:r>
-              <a:rPr lang="fr-FR" dirty="0"/>
-              <a:t> </a:t>
-            </a:r>
-            <a:r>
-              <a:rPr lang="fr-FR" dirty="0" err="1"/>
-              <a:t>Element</a:t>
-            </a:r>
-            <a:r>
-              <a:rPr lang="fr-FR" dirty="0"/>
-              <a:t> de la </a:t>
-            </a:r>
-            <a:r>
-              <a:rPr lang="fr-FR" dirty="0" err="1"/>
-              <a:t>hierarchie</a:t>
-            </a:r>
-            <a:endParaRPr lang="fr-FR" dirty="0"/>
-          </a:p>
-          <a:p>
-            <a:pPr lvl="1"/>
-            <a:r>
-              <a:rPr lang="fr-FR" dirty="0" err="1"/>
-              <a:t>Attr</a:t>
-            </a:r>
-            <a:r>
-              <a:rPr lang="fr-FR" dirty="0"/>
-              <a:t> </a:t>
-            </a:r>
-            <a:r>
-              <a:rPr lang="fr-FR" dirty="0" err="1"/>
-              <a:t>Noeud</a:t>
-            </a:r>
-            <a:r>
-              <a:rPr lang="fr-FR" dirty="0"/>
-              <a:t> </a:t>
-            </a:r>
-            <a:r>
-              <a:rPr lang="fr-FR" dirty="0" err="1"/>
-              <a:t>representant</a:t>
-            </a:r>
-            <a:r>
-              <a:rPr lang="fr-FR" dirty="0"/>
-              <a:t> un attribut d’un nœud</a:t>
-            </a:r>
-          </a:p>
-          <a:p>
-            <a:pPr lvl="1"/>
-            <a:r>
-              <a:rPr lang="fr-FR" dirty="0" err="1"/>
-              <a:t>Text</a:t>
-            </a:r>
-            <a:r>
-              <a:rPr lang="fr-FR" dirty="0"/>
-              <a:t> </a:t>
-            </a:r>
-            <a:r>
-              <a:rPr lang="fr-FR" dirty="0" err="1"/>
-              <a:t>Noeud</a:t>
-            </a:r>
-            <a:r>
-              <a:rPr lang="fr-FR" dirty="0"/>
-              <a:t> de </a:t>
-            </a:r>
-            <a:r>
-              <a:rPr lang="fr-FR" dirty="0" err="1"/>
-              <a:t>donnees</a:t>
-            </a:r>
-            <a:r>
-              <a:rPr lang="fr-FR" dirty="0"/>
-              <a:t> textuelles</a:t>
-            </a:r>
-          </a:p>
-        </p:txBody>
-      </p:sp>
-    </p:spTree>
-    <p:extLst>
-      <p:ext uri="{BB962C8B-B14F-4D97-AF65-F5344CB8AC3E}">
-        <p14:creationId xmlns:p14="http://schemas.microsoft.com/office/powerpoint/2010/main" val="2857585562"/>
-      </p:ext>
-    </p:extLst>
-  </p:cSld>
-  <p:clrMapOvr>
-    <a:masterClrMapping/>
-  </p:clrMapOvr>
-</p:sld>
-</file>
-
-<file path=ppt/slides/slide21.xml><?xml version="1.0" encoding="utf-8"?>
-<p:sld xmlns:a="http://schemas.openxmlformats.org/drawingml/2006/main" xmlns:r="http://schemas.openxmlformats.org/officeDocument/2006/relationships" xmlns:p="http://schemas.openxmlformats.org/presentationml/2006/main">
-  <p:cSld>
-    <p:spTree>
-      <p:nvGrpSpPr>
-        <p:cNvPr id="1" name=""/>
-        <p:cNvGrpSpPr/>
-        <p:nvPr/>
-      </p:nvGrpSpPr>
-      <p:grpSpPr>
-        <a:xfrm>
-          <a:off x="0" y="0"/>
-          <a:ext cx="0" cy="0"/>
-          <a:chOff x="0" y="0"/>
-          <a:chExt cx="0" cy="0"/>
-        </a:xfrm>
-      </p:grpSpPr>
-      <p:sp>
-        <p:nvSpPr>
-          <p:cNvPr id="2" name="Titre 1"/>
-          <p:cNvSpPr>
-            <a:spLocks noGrp="1"/>
-          </p:cNvSpPr>
-          <p:nvPr>
-            <p:ph type="title"/>
-          </p:nvPr>
-        </p:nvSpPr>
-        <p:spPr/>
-        <p:txBody>
-          <a:bodyPr/>
-          <a:lstStyle/>
-          <a:p>
-            <a:r>
-              <a:rPr lang="fr-FR" dirty="0"/>
-              <a:t>Lecture DOM</a:t>
-            </a:r>
-          </a:p>
-        </p:txBody>
-      </p:sp>
-      <p:sp>
-        <p:nvSpPr>
-          <p:cNvPr id="3" name="Espace réservé du contenu 2"/>
-          <p:cNvSpPr>
-            <a:spLocks noGrp="1"/>
-          </p:cNvSpPr>
-          <p:nvPr>
-            <p:ph idx="1"/>
-          </p:nvPr>
-        </p:nvSpPr>
-        <p:spPr/>
-        <p:txBody>
-          <a:bodyPr/>
-          <a:lstStyle/>
-          <a:p>
-            <a:r>
-              <a:rPr lang="fr-FR" dirty="0" err="1"/>
-              <a:t>Parser</a:t>
-            </a:r>
-            <a:r>
-              <a:rPr lang="fr-FR" dirty="0"/>
-              <a:t> :</a:t>
-            </a:r>
-          </a:p>
-          <a:p>
-            <a:pPr lvl="1"/>
-            <a:r>
-              <a:rPr lang="fr-FR" dirty="0"/>
-              <a:t>Import </a:t>
-            </a:r>
-            <a:r>
-              <a:rPr lang="fr-FR" dirty="0" err="1"/>
-              <a:t>xml.dom.minidom</a:t>
-            </a:r>
-            <a:r>
-              <a:rPr lang="fr-FR" dirty="0"/>
-              <a:t> as </a:t>
-            </a:r>
-            <a:r>
-              <a:rPr lang="fr-FR" dirty="0" err="1"/>
-              <a:t>minidom</a:t>
-            </a:r>
-            <a:endParaRPr lang="fr-FR" dirty="0"/>
-          </a:p>
-          <a:p>
-            <a:pPr lvl="1"/>
-            <a:r>
-              <a:rPr lang="fr-FR" dirty="0" err="1"/>
-              <a:t>minidom.parse</a:t>
-            </a:r>
-            <a:r>
-              <a:rPr lang="fr-FR" dirty="0"/>
-              <a:t>(...)</a:t>
-            </a:r>
-          </a:p>
-          <a:p>
-            <a:r>
-              <a:rPr lang="fr-FR" dirty="0" err="1"/>
-              <a:t>Methodes</a:t>
-            </a:r>
-            <a:endParaRPr lang="fr-FR" dirty="0"/>
-          </a:p>
-          <a:p>
-            <a:pPr lvl="1"/>
-            <a:r>
-              <a:rPr lang="fr-FR" dirty="0" err="1"/>
-              <a:t>hasChildNodes</a:t>
-            </a:r>
-            <a:r>
-              <a:rPr lang="fr-FR" dirty="0"/>
-              <a:t>()</a:t>
-            </a:r>
-          </a:p>
-          <a:p>
-            <a:pPr lvl="1"/>
-            <a:r>
-              <a:rPr lang="fr-FR" dirty="0" err="1"/>
-              <a:t>childNodes</a:t>
-            </a:r>
-            <a:endParaRPr lang="fr-FR" dirty="0"/>
-          </a:p>
-          <a:p>
-            <a:pPr lvl="1"/>
-            <a:r>
-              <a:rPr lang="fr-FR" dirty="0" err="1"/>
-              <a:t>documentElement</a:t>
-            </a:r>
-            <a:endParaRPr lang="fr-FR" dirty="0"/>
-          </a:p>
-          <a:p>
-            <a:pPr lvl="1"/>
-            <a:r>
-              <a:rPr lang="fr-FR" dirty="0" err="1"/>
-              <a:t>firstChild</a:t>
-            </a:r>
-            <a:r>
-              <a:rPr lang="fr-FR" dirty="0"/>
-              <a:t>, </a:t>
-            </a:r>
-            <a:r>
-              <a:rPr lang="fr-FR" dirty="0" err="1"/>
-              <a:t>lastChild</a:t>
-            </a:r>
-            <a:endParaRPr lang="fr-FR" dirty="0"/>
-          </a:p>
-          <a:p>
-            <a:pPr lvl="1"/>
-            <a:r>
-              <a:rPr lang="fr-FR" dirty="0" err="1"/>
-              <a:t>nextSibling</a:t>
-            </a:r>
-            <a:r>
-              <a:rPr lang="fr-FR" dirty="0"/>
-              <a:t>, </a:t>
-            </a:r>
-            <a:r>
-              <a:rPr lang="fr-FR" dirty="0" err="1"/>
-              <a:t>previousSibling</a:t>
-            </a:r>
-            <a:endParaRPr lang="fr-FR" dirty="0"/>
-          </a:p>
-          <a:p>
-            <a:pPr lvl="1"/>
-            <a:r>
-              <a:rPr lang="fr-FR" dirty="0" err="1"/>
-              <a:t>parentNode</a:t>
-            </a:r>
-            <a:endParaRPr lang="fr-FR" dirty="0"/>
-          </a:p>
-          <a:p>
-            <a:pPr lvl="1"/>
-            <a:r>
-              <a:rPr lang="fr-FR" dirty="0" err="1"/>
-              <a:t>getElementsByTagName</a:t>
-            </a:r>
-            <a:r>
-              <a:rPr lang="fr-FR" dirty="0"/>
-              <a:t>(tag)</a:t>
-            </a:r>
-          </a:p>
-        </p:txBody>
-      </p:sp>
-    </p:spTree>
-    <p:extLst>
-      <p:ext uri="{BB962C8B-B14F-4D97-AF65-F5344CB8AC3E}">
-        <p14:creationId xmlns:p14="http://schemas.microsoft.com/office/powerpoint/2010/main" val="2920849677"/>
-      </p:ext>
-    </p:extLst>
-  </p:cSld>
-  <p:clrMapOvr>
-    <a:masterClrMapping/>
-  </p:clrMapOvr>
-</p:sld>
-</file>
-
-<file path=ppt/slides/slide22.xml><?xml version="1.0" encoding="utf-8"?>
-<p:sld xmlns:a="http://schemas.openxmlformats.org/drawingml/2006/main" xmlns:r="http://schemas.openxmlformats.org/officeDocument/2006/relationships" xmlns:p="http://schemas.openxmlformats.org/presentationml/2006/main">
-  <p:cSld>
-    <p:spTree>
-      <p:nvGrpSpPr>
-        <p:cNvPr id="1" name=""/>
-        <p:cNvGrpSpPr/>
-        <p:nvPr/>
-      </p:nvGrpSpPr>
-      <p:grpSpPr>
-        <a:xfrm>
-          <a:off x="0" y="0"/>
-          <a:ext cx="0" cy="0"/>
-          <a:chOff x="0" y="0"/>
-          <a:chExt cx="0" cy="0"/>
-        </a:xfrm>
-      </p:grpSpPr>
-      <p:sp>
-        <p:nvSpPr>
-          <p:cNvPr id="2" name="Titre 1"/>
-          <p:cNvSpPr>
-            <a:spLocks noGrp="1"/>
-          </p:cNvSpPr>
-          <p:nvPr>
-            <p:ph type="title"/>
-          </p:nvPr>
-        </p:nvSpPr>
-        <p:spPr/>
-        <p:txBody>
-          <a:bodyPr/>
-          <a:lstStyle/>
-          <a:p>
-            <a:r>
-              <a:rPr lang="fr-FR" dirty="0" err="1"/>
-              <a:t>Noeuds</a:t>
-            </a:r>
-            <a:endParaRPr lang="fr-FR" dirty="0"/>
-          </a:p>
-        </p:txBody>
-      </p:sp>
-      <p:sp>
-        <p:nvSpPr>
-          <p:cNvPr id="3" name="Espace réservé du contenu 2"/>
-          <p:cNvSpPr>
-            <a:spLocks noGrp="1"/>
-          </p:cNvSpPr>
-          <p:nvPr>
-            <p:ph idx="1"/>
-          </p:nvPr>
-        </p:nvSpPr>
-        <p:spPr/>
-        <p:txBody>
-          <a:bodyPr/>
-          <a:lstStyle/>
-          <a:p>
-            <a:r>
-              <a:rPr lang="fr-FR" dirty="0"/>
-              <a:t>Attributs et </a:t>
-            </a:r>
-            <a:r>
-              <a:rPr lang="fr-FR" dirty="0" err="1"/>
-              <a:t>Methodes</a:t>
-            </a:r>
-            <a:endParaRPr lang="fr-FR" dirty="0"/>
-          </a:p>
-          <a:p>
-            <a:pPr lvl="1"/>
-            <a:r>
-              <a:rPr lang="fr-FR" dirty="0" err="1"/>
-              <a:t>nodeType</a:t>
-            </a:r>
-            <a:endParaRPr lang="fr-FR" dirty="0"/>
-          </a:p>
-          <a:p>
-            <a:pPr lvl="1"/>
-            <a:r>
-              <a:rPr lang="fr-FR" dirty="0" err="1"/>
-              <a:t>nodeName</a:t>
-            </a:r>
-            <a:endParaRPr lang="fr-FR" dirty="0"/>
-          </a:p>
-          <a:p>
-            <a:pPr lvl="1"/>
-            <a:r>
-              <a:rPr lang="fr-FR" dirty="0" err="1"/>
-              <a:t>nodeValue</a:t>
-            </a:r>
-            <a:endParaRPr lang="fr-FR" dirty="0"/>
-          </a:p>
-          <a:p>
-            <a:pPr lvl="1"/>
-            <a:r>
-              <a:rPr lang="fr-FR" dirty="0" err="1"/>
-              <a:t>hasAttributes</a:t>
-            </a:r>
-            <a:r>
-              <a:rPr lang="fr-FR" dirty="0"/>
-              <a:t>()</a:t>
-            </a:r>
-          </a:p>
-          <a:p>
-            <a:pPr lvl="1"/>
-            <a:r>
-              <a:rPr lang="fr-FR" dirty="0" err="1"/>
-              <a:t>attributes</a:t>
-            </a:r>
-            <a:endParaRPr lang="fr-FR" dirty="0"/>
-          </a:p>
-          <a:p>
-            <a:pPr lvl="1"/>
-            <a:r>
-              <a:rPr lang="fr-FR" dirty="0" err="1"/>
-              <a:t>getAttribute</a:t>
-            </a:r>
-            <a:r>
-              <a:rPr lang="fr-FR" dirty="0"/>
-              <a:t>(</a:t>
-            </a:r>
-            <a:r>
-              <a:rPr lang="fr-FR" dirty="0" err="1"/>
-              <a:t>attr</a:t>
-            </a:r>
-            <a:r>
-              <a:rPr lang="fr-FR" dirty="0"/>
-              <a:t>)</a:t>
-            </a:r>
-          </a:p>
-        </p:txBody>
-      </p:sp>
-      <p:pic>
-        <p:nvPicPr>
-          <p:cNvPr id="6" name="Image 5"/>
-          <p:cNvPicPr>
-            <a:picLocks noChangeAspect="1"/>
-          </p:cNvPicPr>
-          <p:nvPr/>
-        </p:nvPicPr>
-        <p:blipFill>
-          <a:blip r:embed="rId2"/>
-          <a:stretch>
-            <a:fillRect/>
-          </a:stretch>
-        </p:blipFill>
-        <p:spPr>
-          <a:xfrm>
-            <a:off x="3275855" y="2060848"/>
-            <a:ext cx="5746457" cy="1656184"/>
-          </a:xfrm>
-          <a:prstGeom prst="rect">
-            <a:avLst/>
-          </a:prstGeom>
-        </p:spPr>
-      </p:pic>
-    </p:spTree>
-    <p:extLst>
-      <p:ext uri="{BB962C8B-B14F-4D97-AF65-F5344CB8AC3E}">
-        <p14:creationId xmlns:p14="http://schemas.microsoft.com/office/powerpoint/2010/main" val="4261827728"/>
-      </p:ext>
-    </p:extLst>
-  </p:cSld>
-  <p:clrMapOvr>
-    <a:masterClrMapping/>
-  </p:clrMapOvr>
-</p:sld>
-</file>
-
-<file path=ppt/slides/slide23.xml><?xml version="1.0" encoding="utf-8"?>
-<p:sld xmlns:a="http://schemas.openxmlformats.org/drawingml/2006/main" xmlns:r="http://schemas.openxmlformats.org/officeDocument/2006/relationships" xmlns:p="http://schemas.openxmlformats.org/presentationml/2006/main">
-  <p:cSld>
-    <p:spTree>
-      <p:nvGrpSpPr>
-        <p:cNvPr id="1" name=""/>
-        <p:cNvGrpSpPr/>
-        <p:nvPr/>
-      </p:nvGrpSpPr>
-      <p:grpSpPr>
-        <a:xfrm>
-          <a:off x="0" y="0"/>
-          <a:ext cx="0" cy="0"/>
-          <a:chOff x="0" y="0"/>
-          <a:chExt cx="0" cy="0"/>
-        </a:xfrm>
-      </p:grpSpPr>
-      <p:sp>
-        <p:nvSpPr>
-          <p:cNvPr id="2" name="Titre 1"/>
-          <p:cNvSpPr>
-            <a:spLocks noGrp="1"/>
-          </p:cNvSpPr>
-          <p:nvPr>
-            <p:ph type="title"/>
-          </p:nvPr>
-        </p:nvSpPr>
-        <p:spPr/>
-        <p:txBody>
-          <a:bodyPr/>
-          <a:lstStyle/>
-          <a:p>
-            <a:r>
-              <a:rPr lang="fr-FR" dirty="0"/>
-              <a:t>Ecriture</a:t>
-            </a:r>
-          </a:p>
-        </p:txBody>
-      </p:sp>
-      <p:sp>
-        <p:nvSpPr>
-          <p:cNvPr id="3" name="Espace réservé du contenu 2"/>
-          <p:cNvSpPr>
-            <a:spLocks noGrp="1"/>
-          </p:cNvSpPr>
-          <p:nvPr>
-            <p:ph idx="1"/>
-          </p:nvPr>
-        </p:nvSpPr>
-        <p:spPr/>
-        <p:txBody>
-          <a:bodyPr/>
-          <a:lstStyle/>
-          <a:p>
-            <a:r>
-              <a:rPr lang="fr-FR" dirty="0"/>
-              <a:t>Document() pour créer un document</a:t>
-            </a:r>
-          </a:p>
-          <a:p>
-            <a:r>
-              <a:rPr lang="fr-FR" dirty="0" err="1"/>
-              <a:t>createElement</a:t>
-            </a:r>
-            <a:r>
-              <a:rPr lang="fr-FR" dirty="0"/>
-              <a:t> pour créer un élément</a:t>
-            </a:r>
-          </a:p>
-          <a:p>
-            <a:r>
-              <a:rPr lang="fr-FR" dirty="0" err="1"/>
-              <a:t>appendChild</a:t>
-            </a:r>
-            <a:r>
-              <a:rPr lang="fr-FR" dirty="0"/>
-              <a:t> pour l’attacher à un </a:t>
-            </a:r>
-            <a:r>
-              <a:rPr lang="fr-FR" dirty="0" err="1"/>
-              <a:t>noeud</a:t>
-            </a:r>
-            <a:endParaRPr lang="fr-FR" dirty="0"/>
-          </a:p>
-        </p:txBody>
-      </p:sp>
-      <p:pic>
-        <p:nvPicPr>
-          <p:cNvPr id="4" name="Image 3"/>
-          <p:cNvPicPr>
-            <a:picLocks noChangeAspect="1"/>
-          </p:cNvPicPr>
-          <p:nvPr/>
-        </p:nvPicPr>
-        <p:blipFill>
-          <a:blip r:embed="rId2"/>
-          <a:stretch>
-            <a:fillRect/>
-          </a:stretch>
-        </p:blipFill>
-        <p:spPr>
-          <a:xfrm>
-            <a:off x="1547663" y="3068960"/>
-            <a:ext cx="6218873" cy="2736304"/>
-          </a:xfrm>
-          <a:prstGeom prst="rect">
-            <a:avLst/>
-          </a:prstGeom>
-        </p:spPr>
-      </p:pic>
-    </p:spTree>
-    <p:extLst>
-      <p:ext uri="{BB962C8B-B14F-4D97-AF65-F5344CB8AC3E}">
-        <p14:creationId xmlns:p14="http://schemas.microsoft.com/office/powerpoint/2010/main" val="627036953"/>
-      </p:ext>
-    </p:extLst>
-  </p:cSld>
-  <p:clrMapOvr>
-    <a:masterClrMapping/>
-  </p:clrMapOvr>
-</p:sld>
-</file>
-
-<file path=ppt/slides/slide24.xml><?xml version="1.0" encoding="utf-8"?>
-<p:sld xmlns:a="http://schemas.openxmlformats.org/drawingml/2006/main" xmlns:r="http://schemas.openxmlformats.org/officeDocument/2006/relationships" xmlns:p="http://schemas.openxmlformats.org/presentationml/2006/main">
-  <p:cSld>
-    <p:spTree>
-      <p:nvGrpSpPr>
-        <p:cNvPr id="1" name=""/>
-        <p:cNvGrpSpPr/>
-        <p:nvPr/>
-      </p:nvGrpSpPr>
-      <p:grpSpPr>
-        <a:xfrm>
-          <a:off x="0" y="0"/>
-          <a:ext cx="0" cy="0"/>
-          <a:chOff x="0" y="0"/>
-          <a:chExt cx="0" cy="0"/>
-        </a:xfrm>
-      </p:grpSpPr>
-      <p:sp>
-        <p:nvSpPr>
-          <p:cNvPr id="2" name="Titre 1"/>
-          <p:cNvSpPr>
-            <a:spLocks noGrp="1"/>
-          </p:cNvSpPr>
-          <p:nvPr>
-            <p:ph type="title"/>
-          </p:nvPr>
-        </p:nvSpPr>
-        <p:spPr/>
-        <p:txBody>
-          <a:bodyPr/>
-          <a:lstStyle/>
-          <a:p>
-            <a:r>
-              <a:rPr lang="fr-FR" dirty="0"/>
               <a:t>JSON</a:t>
             </a:r>
           </a:p>
@@ -6503,7 +5774,7 @@
 </p:sld>
 </file>
 
-<file path=ppt/slides/slide25.xml><?xml version="1.0" encoding="utf-8"?>
+<file path=ppt/slides/slide21.xml><?xml version="1.0" encoding="utf-8"?>
 <p:sld xmlns:a="http://schemas.openxmlformats.org/drawingml/2006/main" xmlns:r="http://schemas.openxmlformats.org/officeDocument/2006/relationships" xmlns:p="http://schemas.openxmlformats.org/presentationml/2006/main">
   <p:cSld>
     <p:spTree>
